--- a/기획/아이템 기획안/[융복합]_4조 아이템소개 ppt(기획안 중간발표).pptx
+++ b/기획/아이템 기획안/[융복합]_4조 아이템소개 ppt(기획안 중간발표).pptx
@@ -6,7 +6,7 @@
     <p:sldMasterId id="2147483657" r:id="rId2"/>
   </p:sldMasterIdLst>
   <p:notesMasterIdLst>
-    <p:notesMasterId r:id="rId12"/>
+    <p:notesMasterId r:id="rId13"/>
   </p:notesMasterIdLst>
   <p:sldIdLst>
     <p:sldId id="260" r:id="rId3"/>
@@ -17,27 +17,32 @@
     <p:sldId id="286" r:id="rId8"/>
     <p:sldId id="282" r:id="rId9"/>
     <p:sldId id="288" r:id="rId10"/>
-    <p:sldId id="276" r:id="rId11"/>
+    <p:sldId id="289" r:id="rId11"/>
+    <p:sldId id="276" r:id="rId12"/>
   </p:sldIdLst>
   <p:sldSz cx="12192000" cy="6858000"/>
   <p:notesSz cx="6858000" cy="9144000"/>
   <p:embeddedFontLst>
     <p:embeddedFont>
       <p:font typeface="나눔스퀘어" panose="020B0600000101010101" pitchFamily="50" charset="-127"/>
-      <p:regular r:id="rId13"/>
+      <p:regular r:id="rId14"/>
     </p:embeddedFont>
     <p:embeddedFont>
       <p:font typeface="나눔스퀘어 Bold" panose="020B0600000101010101" pitchFamily="50" charset="-127"/>
-      <p:bold r:id="rId14"/>
+      <p:bold r:id="rId15"/>
     </p:embeddedFont>
     <p:embeddedFont>
       <p:font typeface="맑은 고딕" panose="020B0503020000020004" pitchFamily="50" charset="-127"/>
-      <p:regular r:id="rId15"/>
-      <p:bold r:id="rId16"/>
+      <p:regular r:id="rId16"/>
+      <p:bold r:id="rId17"/>
     </p:embeddedFont>
     <p:embeddedFont>
       <p:font typeface="배달의민족 한나체 Pro" panose="020B0600000101010101" pitchFamily="50" charset="-127"/>
-      <p:regular r:id="rId17"/>
+      <p:regular r:id="rId18"/>
+    </p:embeddedFont>
+    <p:embeddedFont>
+      <p:font typeface="Abadi" panose="020B0604020104020204" pitchFamily="34" charset="0"/>
+      <p:regular r:id="rId19"/>
     </p:embeddedFont>
   </p:embeddedFontLst>
   <p:defaultTextStyle>
@@ -256,7 +261,7 @@
           <a:p>
             <a:fld id="{E3702D49-6140-4B4C-925B-A7947A8770AE}" type="datetimeFigureOut">
               <a:rPr lang="ko-KR" altLang="en-US" smtClean="0"/>
-              <a:t>2020-11-25</a:t>
+              <a:t>2020-11-26</a:t>
             </a:fld>
             <a:endParaRPr lang="ko-KR" altLang="en-US"/>
           </a:p>
@@ -1198,7 +1203,7 @@
           <a:p>
             <a:fld id="{085FDC0B-6062-4217-8F0C-F5E24085CDB5}" type="datetimeFigureOut">
               <a:rPr lang="ko-KR" altLang="en-US" smtClean="0"/>
-              <a:t>2020-11-25</a:t>
+              <a:t>2020-11-26</a:t>
             </a:fld>
             <a:endParaRPr lang="ko-KR" altLang="en-US"/>
           </a:p>
@@ -1339,7 +1344,7 @@
           <a:p>
             <a:fld id="{085FDC0B-6062-4217-8F0C-F5E24085CDB5}" type="datetimeFigureOut">
               <a:rPr lang="ko-KR" altLang="en-US" smtClean="0"/>
-              <a:t>2020-11-25</a:t>
+              <a:t>2020-11-26</a:t>
             </a:fld>
             <a:endParaRPr lang="ko-KR" altLang="en-US"/>
           </a:p>
@@ -1452,7 +1457,7 @@
           <a:p>
             <a:fld id="{085FDC0B-6062-4217-8F0C-F5E24085CDB5}" type="datetimeFigureOut">
               <a:rPr lang="ko-KR" altLang="en-US" smtClean="0"/>
-              <a:t>2020-11-25</a:t>
+              <a:t>2020-11-26</a:t>
             </a:fld>
             <a:endParaRPr lang="ko-KR" altLang="en-US"/>
           </a:p>
@@ -1763,7 +1768,7 @@
           <a:p>
             <a:fld id="{085FDC0B-6062-4217-8F0C-F5E24085CDB5}" type="datetimeFigureOut">
               <a:rPr lang="ko-KR" altLang="en-US" smtClean="0"/>
-              <a:t>2020-11-25</a:t>
+              <a:t>2020-11-26</a:t>
             </a:fld>
             <a:endParaRPr lang="ko-KR" altLang="en-US"/>
           </a:p>
@@ -2051,7 +2056,7 @@
           <a:p>
             <a:fld id="{085FDC0B-6062-4217-8F0C-F5E24085CDB5}" type="datetimeFigureOut">
               <a:rPr lang="ko-KR" altLang="en-US" smtClean="0"/>
-              <a:t>2020-11-25</a:t>
+              <a:t>2020-11-26</a:t>
             </a:fld>
             <a:endParaRPr lang="ko-KR" altLang="en-US"/>
           </a:p>
@@ -2249,7 +2254,7 @@
           <a:p>
             <a:fld id="{085FDC0B-6062-4217-8F0C-F5E24085CDB5}" type="datetimeFigureOut">
               <a:rPr lang="ko-KR" altLang="en-US" smtClean="0"/>
-              <a:t>2020-11-25</a:t>
+              <a:t>2020-11-26</a:t>
             </a:fld>
             <a:endParaRPr lang="ko-KR" altLang="en-US"/>
           </a:p>
@@ -2457,7 +2462,7 @@
           <a:p>
             <a:fld id="{085FDC0B-6062-4217-8F0C-F5E24085CDB5}" type="datetimeFigureOut">
               <a:rPr lang="ko-KR" altLang="en-US" smtClean="0"/>
-              <a:t>2020-11-25</a:t>
+              <a:t>2020-11-26</a:t>
             </a:fld>
             <a:endParaRPr lang="ko-KR" altLang="en-US"/>
           </a:p>
@@ -3930,7 +3935,7 @@
           <a:p>
             <a:fld id="{F627F569-09D1-48E5-8063-06BBC62E00F7}" type="datetimeFigureOut">
               <a:rPr lang="ko-KR" altLang="en-US" smtClean="0"/>
-              <a:t>2020-11-25</a:t>
+              <a:t>2020-11-26</a:t>
             </a:fld>
             <a:endParaRPr lang="ko-KR" altLang="en-US"/>
           </a:p>
@@ -4166,7 +4171,7 @@
           <a:p>
             <a:fld id="{085FDC0B-6062-4217-8F0C-F5E24085CDB5}" type="datetimeFigureOut">
               <a:rPr lang="ko-KR" altLang="en-US" smtClean="0"/>
-              <a:t>2020-11-25</a:t>
+              <a:t>2020-11-26</a:t>
             </a:fld>
             <a:endParaRPr lang="ko-KR" altLang="en-US"/>
           </a:p>
@@ -4364,7 +4369,7 @@
           <a:p>
             <a:fld id="{085FDC0B-6062-4217-8F0C-F5E24085CDB5}" type="datetimeFigureOut">
               <a:rPr lang="ko-KR" altLang="en-US" smtClean="0"/>
-              <a:t>2020-11-25</a:t>
+              <a:t>2020-11-26</a:t>
             </a:fld>
             <a:endParaRPr lang="ko-KR" altLang="en-US"/>
           </a:p>
@@ -4639,7 +4644,7 @@
           <a:p>
             <a:fld id="{085FDC0B-6062-4217-8F0C-F5E24085CDB5}" type="datetimeFigureOut">
               <a:rPr lang="ko-KR" altLang="en-US" smtClean="0"/>
-              <a:t>2020-11-25</a:t>
+              <a:t>2020-11-26</a:t>
             </a:fld>
             <a:endParaRPr lang="ko-KR" altLang="en-US"/>
           </a:p>
@@ -4904,7 +4909,7 @@
           <a:p>
             <a:fld id="{085FDC0B-6062-4217-8F0C-F5E24085CDB5}" type="datetimeFigureOut">
               <a:rPr lang="ko-KR" altLang="en-US" smtClean="0"/>
-              <a:t>2020-11-25</a:t>
+              <a:t>2020-11-26</a:t>
             </a:fld>
             <a:endParaRPr lang="ko-KR" altLang="en-US"/>
           </a:p>
@@ -5658,7 +5663,7 @@
           <a:p>
             <a:fld id="{085FDC0B-6062-4217-8F0C-F5E24085CDB5}" type="datetimeFigureOut">
               <a:rPr lang="ko-KR" altLang="en-US" smtClean="0"/>
-              <a:t>2020-11-25</a:t>
+              <a:t>2020-11-26</a:t>
             </a:fld>
             <a:endParaRPr lang="ko-KR" altLang="en-US"/>
           </a:p>
@@ -6630,6 +6635,299 @@
 </p:sld>
 </file>
 
+<file path=ppt/slides/slide10.xml><?xml version="1.0" encoding="utf-8"?>
+<p:sld xmlns:a="http://schemas.openxmlformats.org/drawingml/2006/main" xmlns:r="http://schemas.openxmlformats.org/officeDocument/2006/relationships" xmlns:p="http://schemas.openxmlformats.org/presentationml/2006/main">
+  <p:cSld>
+    <p:spTree>
+      <p:nvGrpSpPr>
+        <p:cNvPr id="1" name=""/>
+        <p:cNvGrpSpPr/>
+        <p:nvPr/>
+      </p:nvGrpSpPr>
+      <p:grpSpPr>
+        <a:xfrm>
+          <a:off x="0" y="0"/>
+          <a:ext cx="0" cy="0"/>
+          <a:chOff x="0" y="0"/>
+          <a:chExt cx="0" cy="0"/>
+        </a:xfrm>
+      </p:grpSpPr>
+      <p:sp>
+        <p:nvSpPr>
+          <p:cNvPr id="4" name="직사각형 3">
+            <a:extLst>
+              <a:ext uri="{FF2B5EF4-FFF2-40B4-BE49-F238E27FC236}">
+                <a16:creationId xmlns:a16="http://schemas.microsoft.com/office/drawing/2014/main" id="{59512AAE-C4F8-4DFA-8E69-2B20CAF4B75B}"/>
+              </a:ext>
+            </a:extLst>
+          </p:cNvPr>
+          <p:cNvSpPr/>
+          <p:nvPr/>
+        </p:nvSpPr>
+        <p:spPr>
+          <a:xfrm>
+            <a:off x="0" y="0"/>
+            <a:ext cx="6096000" cy="6858000"/>
+          </a:xfrm>
+          <a:prstGeom prst="rect">
+            <a:avLst/>
+          </a:prstGeom>
+          <a:solidFill>
+            <a:schemeClr val="accent1"/>
+          </a:solidFill>
+          <a:ln>
+            <a:noFill/>
+          </a:ln>
+        </p:spPr>
+        <p:style>
+          <a:lnRef idx="2">
+            <a:schemeClr val="accent1">
+              <a:shade val="50000"/>
+            </a:schemeClr>
+          </a:lnRef>
+          <a:fillRef idx="1">
+            <a:schemeClr val="accent1"/>
+          </a:fillRef>
+          <a:effectRef idx="0">
+            <a:schemeClr val="accent1"/>
+          </a:effectRef>
+          <a:fontRef idx="minor">
+            <a:schemeClr val="lt1"/>
+          </a:fontRef>
+        </p:style>
+        <p:txBody>
+          <a:bodyPr rtlCol="0" anchor="ctr"/>
+          <a:lstStyle/>
+          <a:p>
+            <a:pPr algn="ctr"/>
+            <a:endParaRPr lang="ko-KR" altLang="en-US"/>
+          </a:p>
+        </p:txBody>
+      </p:sp>
+      <p:sp>
+        <p:nvSpPr>
+          <p:cNvPr id="6" name="TextBox 5">
+            <a:extLst>
+              <a:ext uri="{FF2B5EF4-FFF2-40B4-BE49-F238E27FC236}">
+                <a16:creationId xmlns:a16="http://schemas.microsoft.com/office/drawing/2014/main" id="{12279D14-F729-4E3D-8071-B448F0A50107}"/>
+              </a:ext>
+            </a:extLst>
+          </p:cNvPr>
+          <p:cNvSpPr txBox="1"/>
+          <p:nvPr/>
+        </p:nvSpPr>
+        <p:spPr>
+          <a:xfrm>
+            <a:off x="2001848" y="3075057"/>
+            <a:ext cx="2871810" cy="707886"/>
+          </a:xfrm>
+          <a:prstGeom prst="rect">
+            <a:avLst/>
+          </a:prstGeom>
+          <a:noFill/>
+        </p:spPr>
+        <p:txBody>
+          <a:bodyPr wrap="square">
+            <a:spAutoFit/>
+          </a:bodyPr>
+          <a:lstStyle/>
+          <a:p>
+            <a:pPr algn="ctr"/>
+            <a:r>
+              <a:rPr lang="ko-KR" altLang="en-US" sz="4000" dirty="0">
+                <a:solidFill>
+                  <a:schemeClr val="bg1"/>
+                </a:solidFill>
+                <a:latin typeface="배달의민족 한나체 Pro" panose="020B0600000101010101" pitchFamily="50" charset="-127"/>
+                <a:ea typeface="배달의민족 한나체 Pro" panose="020B0600000101010101" pitchFamily="50" charset="-127"/>
+              </a:rPr>
+              <a:t>감사합니다</a:t>
+            </a:r>
+            <a:r>
+              <a:rPr lang="en-US" altLang="ko-KR" sz="4000" dirty="0">
+                <a:solidFill>
+                  <a:schemeClr val="bg1"/>
+                </a:solidFill>
+                <a:latin typeface="배달의민족 한나체 Pro" panose="020B0600000101010101" pitchFamily="50" charset="-127"/>
+                <a:ea typeface="배달의민족 한나체 Pro" panose="020B0600000101010101" pitchFamily="50" charset="-127"/>
+              </a:rPr>
+              <a:t>.</a:t>
+            </a:r>
+            <a:endParaRPr lang="ko-KR" altLang="en-US" sz="4000" dirty="0">
+              <a:solidFill>
+                <a:schemeClr val="bg1"/>
+              </a:solidFill>
+              <a:latin typeface="배달의민족 한나체 Pro" panose="020B0600000101010101" pitchFamily="50" charset="-127"/>
+              <a:ea typeface="배달의민족 한나체 Pro" panose="020B0600000101010101" pitchFamily="50" charset="-127"/>
+            </a:endParaRPr>
+          </a:p>
+        </p:txBody>
+      </p:sp>
+      <p:sp>
+        <p:nvSpPr>
+          <p:cNvPr id="8" name="TextBox 7">
+            <a:extLst>
+              <a:ext uri="{FF2B5EF4-FFF2-40B4-BE49-F238E27FC236}">
+                <a16:creationId xmlns:a16="http://schemas.microsoft.com/office/drawing/2014/main" id="{C58464A9-A9E9-4121-B24B-118E4E596194}"/>
+              </a:ext>
+            </a:extLst>
+          </p:cNvPr>
+          <p:cNvSpPr txBox="1"/>
+          <p:nvPr/>
+        </p:nvSpPr>
+        <p:spPr>
+          <a:xfrm>
+            <a:off x="7793051" y="5837315"/>
+            <a:ext cx="2663701" cy="619721"/>
+          </a:xfrm>
+          <a:prstGeom prst="rect">
+            <a:avLst/>
+          </a:prstGeom>
+          <a:noFill/>
+        </p:spPr>
+        <p:txBody>
+          <a:bodyPr wrap="square" rtlCol="0">
+            <a:spAutoFit/>
+          </a:bodyPr>
+          <a:lstStyle/>
+          <a:p>
+            <a:pPr>
+              <a:lnSpc>
+                <a:spcPct val="150000"/>
+              </a:lnSpc>
+            </a:pPr>
+            <a:r>
+              <a:rPr lang="en-US" altLang="ko-KR" sz="1200" dirty="0">
+                <a:solidFill>
+                  <a:schemeClr val="bg2">
+                    <a:lumMod val="50000"/>
+                  </a:schemeClr>
+                </a:solidFill>
+                <a:latin typeface="나눔스퀘어" panose="020B0600000101010101" pitchFamily="50" charset="-127"/>
+                <a:ea typeface="나눔스퀘어" panose="020B0600000101010101" pitchFamily="50" charset="-127"/>
+              </a:rPr>
+              <a:t>Team </a:t>
+            </a:r>
+            <a:r>
+              <a:rPr lang="ko-KR" altLang="en-US" sz="1200" dirty="0" err="1">
+                <a:solidFill>
+                  <a:schemeClr val="bg2">
+                    <a:lumMod val="50000"/>
+                  </a:schemeClr>
+                </a:solidFill>
+                <a:latin typeface="나눔스퀘어" panose="020B0600000101010101" pitchFamily="50" charset="-127"/>
+                <a:ea typeface="나눔스퀘어" panose="020B0600000101010101" pitchFamily="50" charset="-127"/>
+              </a:rPr>
+              <a:t>헬라클레스</a:t>
+            </a:r>
+            <a:endParaRPr lang="en-US" altLang="ko-KR" sz="1200" dirty="0">
+              <a:solidFill>
+                <a:schemeClr val="bg2">
+                  <a:lumMod val="50000"/>
+                </a:schemeClr>
+              </a:solidFill>
+              <a:latin typeface="나눔스퀘어" panose="020B0600000101010101" pitchFamily="50" charset="-127"/>
+              <a:ea typeface="나눔스퀘어" panose="020B0600000101010101" pitchFamily="50" charset="-127"/>
+            </a:endParaRPr>
+          </a:p>
+          <a:p>
+            <a:pPr>
+              <a:lnSpc>
+                <a:spcPct val="150000"/>
+              </a:lnSpc>
+            </a:pPr>
+            <a:r>
+              <a:rPr lang="ko-KR" altLang="en-US" sz="1200" dirty="0">
+                <a:solidFill>
+                  <a:schemeClr val="bg2">
+                    <a:lumMod val="50000"/>
+                  </a:schemeClr>
+                </a:solidFill>
+                <a:latin typeface="나눔스퀘어" panose="020B0600000101010101" pitchFamily="50" charset="-127"/>
+                <a:ea typeface="나눔스퀘어" panose="020B0600000101010101" pitchFamily="50" charset="-127"/>
+              </a:rPr>
+              <a:t>박성준 이동규 이재환 이주호 </a:t>
+            </a:r>
+            <a:r>
+              <a:rPr lang="ko-KR" altLang="en-US" sz="1200" dirty="0" err="1">
+                <a:solidFill>
+                  <a:schemeClr val="bg2">
+                    <a:lumMod val="50000"/>
+                  </a:schemeClr>
+                </a:solidFill>
+                <a:latin typeface="나눔스퀘어" panose="020B0600000101010101" pitchFamily="50" charset="-127"/>
+                <a:ea typeface="나눔스퀘어" panose="020B0600000101010101" pitchFamily="50" charset="-127"/>
+              </a:rPr>
+              <a:t>홍연하</a:t>
+            </a:r>
+            <a:endParaRPr lang="ko-KR" altLang="en-US" sz="1200" dirty="0">
+              <a:solidFill>
+                <a:schemeClr val="bg2">
+                  <a:lumMod val="50000"/>
+                </a:schemeClr>
+              </a:solidFill>
+              <a:latin typeface="나눔스퀘어" panose="020B0600000101010101" pitchFamily="50" charset="-127"/>
+              <a:ea typeface="나눔스퀘어" panose="020B0600000101010101" pitchFamily="50" charset="-127"/>
+            </a:endParaRPr>
+          </a:p>
+        </p:txBody>
+      </p:sp>
+      <p:pic>
+        <p:nvPicPr>
+          <p:cNvPr id="5" name="그림 4">
+            <a:extLst>
+              <a:ext uri="{FF2B5EF4-FFF2-40B4-BE49-F238E27FC236}">
+                <a16:creationId xmlns:a16="http://schemas.microsoft.com/office/drawing/2014/main" id="{C6B84E52-DEC4-44A1-AB59-F45F1B50F363}"/>
+              </a:ext>
+            </a:extLst>
+          </p:cNvPr>
+          <p:cNvPicPr>
+            <a:picLocks noChangeAspect="1"/>
+          </p:cNvPicPr>
+          <p:nvPr/>
+        </p:nvPicPr>
+        <p:blipFill rotWithShape="1">
+          <a:blip r:embed="rId2">
+            <a:duotone>
+              <a:schemeClr val="accent5">
+                <a:shade val="45000"/>
+                <a:satMod val="135000"/>
+              </a:schemeClr>
+              <a:prstClr val="white"/>
+            </a:duotone>
+            <a:extLst>
+              <a:ext uri="{28A0092B-C50C-407E-A947-70E740481C1C}">
+                <a14:useLocalDpi xmlns:a14="http://schemas.microsoft.com/office/drawing/2010/main" val="0"/>
+              </a:ext>
+            </a:extLst>
+          </a:blip>
+          <a:srcRect t="8036" r="4064" b="25990"/>
+          <a:stretch/>
+        </p:blipFill>
+        <p:spPr>
+          <a:xfrm>
+            <a:off x="7717637" y="2728326"/>
+            <a:ext cx="2256008" cy="1551443"/>
+          </a:xfrm>
+          <a:prstGeom prst="rect">
+            <a:avLst/>
+          </a:prstGeom>
+          <a:effectLst/>
+        </p:spPr>
+      </p:pic>
+    </p:spTree>
+    <p:extLst>
+      <p:ext uri="{BB962C8B-B14F-4D97-AF65-F5344CB8AC3E}">
+        <p14:creationId xmlns:p14="http://schemas.microsoft.com/office/powerpoint/2010/main" val="836019790"/>
+      </p:ext>
+    </p:extLst>
+  </p:cSld>
+  <p:clrMapOvr>
+    <a:masterClrMapping/>
+  </p:clrMapOvr>
+</p:sld>
+</file>
+
 <file path=ppt/slides/slide2.xml><?xml version="1.0" encoding="utf-8"?>
 <p:sld xmlns:a="http://schemas.openxmlformats.org/drawingml/2006/main" xmlns:r="http://schemas.openxmlformats.org/officeDocument/2006/relationships" xmlns:p="http://schemas.openxmlformats.org/presentationml/2006/main">
   <p:cSld>
@@ -6754,8 +7052,8 @@
         </p:nvSpPr>
         <p:spPr>
           <a:xfrm>
-            <a:off x="6765956" y="604848"/>
-            <a:ext cx="4586257" cy="5567678"/>
+            <a:off x="6765956" y="2510711"/>
+            <a:ext cx="4586257" cy="2268378"/>
           </a:xfrm>
           <a:prstGeom prst="rect">
             <a:avLst/>
@@ -6934,185 +7232,6 @@
               </a:solidFill>
               <a:latin typeface="나눔스퀘어" panose="020B0600000101010101" pitchFamily="50" charset="-127"/>
               <a:ea typeface="나눔스퀘어" panose="020B0600000101010101" pitchFamily="50" charset="-127"/>
-            </a:endParaRPr>
-          </a:p>
-          <a:p>
-            <a:pPr marL="800100" lvl="1" indent="-342900">
-              <a:lnSpc>
-                <a:spcPct val="150000"/>
-              </a:lnSpc>
-              <a:buFont typeface="Arial" panose="020B0604020202020204" pitchFamily="34" charset="0"/>
-              <a:buChar char="•"/>
-            </a:pPr>
-            <a:endParaRPr lang="en-US" altLang="ko-KR" sz="2400" dirty="0">
-              <a:solidFill>
-                <a:srgbClr val="00796B"/>
-              </a:solidFill>
-              <a:latin typeface="배달의민족 한나체 Pro" panose="020B0600000101010101" pitchFamily="50" charset="-127"/>
-              <a:ea typeface="배달의민족 한나체 Pro" panose="020B0600000101010101" pitchFamily="50" charset="-127"/>
-            </a:endParaRPr>
-          </a:p>
-          <a:p>
-            <a:pPr marL="457200" indent="-457200">
-              <a:lnSpc>
-                <a:spcPct val="150000"/>
-              </a:lnSpc>
-              <a:buFont typeface="+mj-lt"/>
-              <a:buAutoNum type="arabicPeriod"/>
-            </a:pPr>
-            <a:r>
-              <a:rPr lang="ko-KR" altLang="en-US" sz="2400" dirty="0">
-                <a:solidFill>
-                  <a:schemeClr val="accent1"/>
-                </a:solidFill>
-                <a:latin typeface="배달의민족 한나체 Pro" panose="020B0600000101010101" pitchFamily="50" charset="-127"/>
-                <a:ea typeface="배달의민족 한나체 Pro" panose="020B0600000101010101" pitchFamily="50" charset="-127"/>
-              </a:rPr>
-              <a:t>각 분야별 활용기술 방안</a:t>
-            </a:r>
-            <a:endParaRPr lang="en-US" altLang="ko-KR" sz="2400" dirty="0">
-              <a:solidFill>
-                <a:schemeClr val="accent1"/>
-              </a:solidFill>
-              <a:latin typeface="나눔스퀘어" panose="020B0600000101010101" pitchFamily="50" charset="-127"/>
-              <a:ea typeface="나눔스퀘어" panose="020B0600000101010101" pitchFamily="50" charset="-127"/>
-            </a:endParaRPr>
-          </a:p>
-          <a:p>
-            <a:pPr marL="914400" lvl="1" indent="-457200">
-              <a:lnSpc>
-                <a:spcPct val="150000"/>
-              </a:lnSpc>
-              <a:buFont typeface="+mj-lt"/>
-              <a:buAutoNum type="arabicPeriod"/>
-            </a:pPr>
-            <a:r>
-              <a:rPr kumimoji="0" lang="ko-KR" altLang="en-US" b="0" i="0" u="none" strike="noStrike" kern="1200" cap="none" spc="0" normalizeH="0" baseline="0" noProof="0" dirty="0">
-                <a:ln>
-                  <a:noFill/>
-                </a:ln>
-                <a:effectLst/>
-                <a:uLnTx/>
-                <a:uFillTx/>
-                <a:latin typeface="나눔스퀘어" panose="020B0600000101010101" pitchFamily="50" charset="-127"/>
-                <a:ea typeface="나눔스퀘어" panose="020B0600000101010101" pitchFamily="50" charset="-127"/>
-              </a:rPr>
-              <a:t>빅데이터</a:t>
-            </a:r>
-            <a:endParaRPr kumimoji="0" lang="en-US" altLang="ko-KR" b="0" i="0" u="none" strike="noStrike" kern="1200" cap="none" spc="0" normalizeH="0" baseline="0" noProof="0" dirty="0">
-              <a:ln>
-                <a:noFill/>
-              </a:ln>
-              <a:effectLst/>
-              <a:uLnTx/>
-              <a:uFillTx/>
-              <a:latin typeface="나눔스퀘어" panose="020B0600000101010101" pitchFamily="50" charset="-127"/>
-              <a:ea typeface="나눔스퀘어" panose="020B0600000101010101" pitchFamily="50" charset="-127"/>
-            </a:endParaRPr>
-          </a:p>
-          <a:p>
-            <a:pPr marL="914400" lvl="1" indent="-457200">
-              <a:lnSpc>
-                <a:spcPct val="150000"/>
-              </a:lnSpc>
-              <a:buFont typeface="+mj-lt"/>
-              <a:buAutoNum type="arabicPeriod"/>
-            </a:pPr>
-            <a:r>
-              <a:rPr lang="ko-KR" altLang="en-US" dirty="0">
-                <a:latin typeface="나눔스퀘어" panose="020B0600000101010101" pitchFamily="50" charset="-127"/>
-                <a:ea typeface="나눔스퀘어" panose="020B0600000101010101" pitchFamily="50" charset="-127"/>
-              </a:rPr>
-              <a:t>클라우드</a:t>
-            </a:r>
-            <a:endParaRPr lang="en-US" altLang="ko-KR" dirty="0">
-              <a:latin typeface="나눔스퀘어" panose="020B0600000101010101" pitchFamily="50" charset="-127"/>
-              <a:ea typeface="나눔스퀘어" panose="020B0600000101010101" pitchFamily="50" charset="-127"/>
-            </a:endParaRPr>
-          </a:p>
-          <a:p>
-            <a:pPr marL="914400" lvl="1" indent="-457200">
-              <a:lnSpc>
-                <a:spcPct val="150000"/>
-              </a:lnSpc>
-              <a:buFont typeface="+mj-lt"/>
-              <a:buAutoNum type="arabicPeriod"/>
-            </a:pPr>
-            <a:r>
-              <a:rPr kumimoji="0" lang="en-US" altLang="ko-KR" b="0" i="0" u="none" strike="noStrike" kern="1200" cap="none" spc="0" normalizeH="0" baseline="0" noProof="0" dirty="0">
-                <a:ln>
-                  <a:noFill/>
-                </a:ln>
-                <a:effectLst/>
-                <a:uLnTx/>
-                <a:uFillTx/>
-                <a:latin typeface="나눔스퀘어" panose="020B0600000101010101" pitchFamily="50" charset="-127"/>
-                <a:ea typeface="나눔스퀘어" panose="020B0600000101010101" pitchFamily="50" charset="-127"/>
-              </a:rPr>
-              <a:t>IOT</a:t>
-            </a:r>
-          </a:p>
-          <a:p>
-            <a:pPr marL="914400" lvl="1" indent="-457200">
-              <a:lnSpc>
-                <a:spcPct val="150000"/>
-              </a:lnSpc>
-              <a:buFont typeface="+mj-lt"/>
-              <a:buAutoNum type="arabicPeriod"/>
-            </a:pPr>
-            <a:r>
-              <a:rPr kumimoji="0" lang="en-US" altLang="ko-KR" b="0" i="0" u="none" strike="noStrike" kern="1200" cap="none" spc="0" normalizeH="0" baseline="0" noProof="0" dirty="0">
-                <a:ln>
-                  <a:noFill/>
-                </a:ln>
-                <a:effectLst/>
-                <a:uLnTx/>
-                <a:uFillTx/>
-                <a:latin typeface="나눔스퀘어" panose="020B0600000101010101" pitchFamily="50" charset="-127"/>
-                <a:ea typeface="나눔스퀘어" panose="020B0600000101010101" pitchFamily="50" charset="-127"/>
-              </a:rPr>
-              <a:t>AI</a:t>
-            </a:r>
-            <a:endParaRPr lang="en-US" altLang="ko-KR" sz="2400" dirty="0">
-              <a:solidFill>
-                <a:srgbClr val="00796B"/>
-              </a:solidFill>
-              <a:latin typeface="배달의민족 한나체 Pro" panose="020B0600000101010101" pitchFamily="50" charset="-127"/>
-              <a:ea typeface="배달의민족 한나체 Pro" panose="020B0600000101010101" pitchFamily="50" charset="-127"/>
-            </a:endParaRPr>
-          </a:p>
-          <a:p>
-            <a:pPr>
-              <a:lnSpc>
-                <a:spcPct val="150000"/>
-              </a:lnSpc>
-            </a:pPr>
-            <a:r>
-              <a:rPr lang="en-US" altLang="ko-KR" sz="2400" dirty="0">
-                <a:solidFill>
-                  <a:schemeClr val="accent1"/>
-                </a:solidFill>
-                <a:latin typeface="배달의민족 한나체 Pro" panose="020B0600000101010101" pitchFamily="50" charset="-127"/>
-                <a:ea typeface="배달의민족 한나체 Pro" panose="020B0600000101010101" pitchFamily="50" charset="-127"/>
-              </a:rPr>
-              <a:t>3. </a:t>
-            </a:r>
-            <a:r>
-              <a:rPr lang="ko-KR" altLang="en-US" sz="2400" dirty="0">
-                <a:solidFill>
-                  <a:schemeClr val="accent1"/>
-                </a:solidFill>
-                <a:latin typeface="배달의민족 한나체 Pro" panose="020B0600000101010101" pitchFamily="50" charset="-127"/>
-                <a:ea typeface="배달의민족 한나체 Pro" panose="020B0600000101010101" pitchFamily="50" charset="-127"/>
-              </a:rPr>
-              <a:t>질문사항</a:t>
-            </a:r>
-            <a:endParaRPr lang="en-US" altLang="ko-KR" sz="2400" dirty="0">
-              <a:solidFill>
-                <a:schemeClr val="accent1"/>
-              </a:solidFill>
-              <a:latin typeface="배달의민족 한나체 Pro" panose="020B0600000101010101" pitchFamily="50" charset="-127"/>
-              <a:ea typeface="배달의민족 한나체 Pro" panose="020B0600000101010101" pitchFamily="50" charset="-127"/>
             </a:endParaRPr>
           </a:p>
         </p:txBody>
@@ -7694,7 +7813,7 @@
                 <a:latin typeface="나눔스퀘어" panose="020B0600000101010101" pitchFamily="50" charset="-127"/>
                 <a:ea typeface="나눔스퀘어" panose="020B0600000101010101" pitchFamily="50" charset="-127"/>
               </a:rPr>
-              <a:t>5~10</a:t>
+              <a:t>5~11</a:t>
             </a:r>
             <a:r>
               <a:rPr lang="ko-KR" altLang="en-US" sz="1400" dirty="0">
@@ -11551,7 +11670,7 @@
                     <a:latin typeface="나눔스퀘어" panose="020B0600000101010101" pitchFamily="50" charset="-127"/>
                     <a:ea typeface="나눔스퀘어" panose="020B0600000101010101" pitchFamily="50" charset="-127"/>
                   </a:rPr>
-                  <a:t>5~8</a:t>
+                  <a:t>5~11</a:t>
                 </a:r>
                 <a:r>
                   <a:rPr lang="ko-KR" altLang="en-US" sz="1200" dirty="0">
@@ -12274,8 +12393,8 @@
         </p:nvSpPr>
         <p:spPr>
           <a:xfrm>
-            <a:off x="731838" y="5187023"/>
-            <a:ext cx="10620375" cy="1121702"/>
+            <a:off x="731838" y="4649008"/>
+            <a:ext cx="10620375" cy="1659718"/>
           </a:xfrm>
           <a:prstGeom prst="rect">
             <a:avLst/>
@@ -12314,24 +12433,81 @@
           <a:bodyPr rtlCol="0" anchor="t"/>
           <a:lstStyle/>
           <a:p>
-            <a:pPr algn="just">
+            <a:pPr marL="171450" indent="-171450" algn="just">
               <a:lnSpc>
-                <a:spcPct val="150000"/>
+                <a:spcPct val="200000"/>
               </a:lnSpc>
+              <a:buFont typeface="Arial" panose="020B0604020202020204" pitchFamily="34" charset="0"/>
+              <a:buChar char="•"/>
             </a:pPr>
-            <a:endParaRPr lang="en-US" altLang="ko-KR" sz="1200" dirty="0">
-              <a:solidFill>
-                <a:schemeClr val="tx1"/>
-              </a:solidFill>
-              <a:latin typeface="나눔스퀘어" panose="020B0600000101010101" pitchFamily="50" charset="-127"/>
-              <a:ea typeface="나눔스퀘어" panose="020B0600000101010101" pitchFamily="50" charset="-127"/>
-            </a:endParaRPr>
-          </a:p>
-          <a:p>
-            <a:pPr algn="just">
+            <a:r>
+              <a:rPr lang="ko-KR" altLang="en-US" sz="1200" dirty="0">
+                <a:solidFill>
+                  <a:schemeClr val="tx1"/>
+                </a:solidFill>
+                <a:latin typeface="나눔스퀘어" panose="020B0600000101010101" pitchFamily="50" charset="-127"/>
+                <a:ea typeface="나눔스퀘어" panose="020B0600000101010101" pitchFamily="50" charset="-127"/>
+              </a:rPr>
+              <a:t>배달의 </a:t>
+            </a:r>
+            <a:r>
+              <a:rPr lang="en-US" altLang="ko-KR" sz="1200" dirty="0">
+                <a:solidFill>
+                  <a:schemeClr val="tx1"/>
+                </a:solidFill>
+                <a:latin typeface="나눔스퀘어" panose="020B0600000101010101" pitchFamily="50" charset="-127"/>
+                <a:ea typeface="나눔스퀘어" panose="020B0600000101010101" pitchFamily="50" charset="-127"/>
+              </a:rPr>
+              <a:t>Quality</a:t>
+            </a:r>
+            <a:r>
+              <a:rPr lang="ko-KR" altLang="en-US" sz="1200" dirty="0">
+                <a:solidFill>
+                  <a:schemeClr val="tx1"/>
+                </a:solidFill>
+                <a:latin typeface="나눔스퀘어" panose="020B0600000101010101" pitchFamily="50" charset="-127"/>
+                <a:ea typeface="나눔스퀘어" panose="020B0600000101010101" pitchFamily="50" charset="-127"/>
+              </a:rPr>
+              <a:t>는 배달 중개서비스의 </a:t>
+            </a:r>
+            <a:r>
+              <a:rPr lang="en-US" altLang="ko-KR" sz="1200" dirty="0">
+                <a:solidFill>
+                  <a:schemeClr val="tx1"/>
+                </a:solidFill>
+                <a:latin typeface="나눔스퀘어" panose="020B0600000101010101" pitchFamily="50" charset="-127"/>
+                <a:ea typeface="나눔스퀘어" panose="020B0600000101010101" pitchFamily="50" charset="-127"/>
+              </a:rPr>
+              <a:t>Quality</a:t>
+            </a:r>
+            <a:r>
+              <a:rPr lang="ko-KR" altLang="en-US" sz="1200" dirty="0">
+                <a:solidFill>
+                  <a:schemeClr val="tx1"/>
+                </a:solidFill>
+                <a:latin typeface="나눔스퀘어" panose="020B0600000101010101" pitchFamily="50" charset="-127"/>
+                <a:ea typeface="나눔스퀘어" panose="020B0600000101010101" pitchFamily="50" charset="-127"/>
+              </a:rPr>
+              <a:t>에 영향</a:t>
+            </a:r>
+            <a:r>
+              <a:rPr lang="en-US" altLang="ko-KR" sz="1200" dirty="0">
+                <a:solidFill>
+                  <a:schemeClr val="tx1"/>
+                </a:solidFill>
+                <a:latin typeface="나눔스퀘어" panose="020B0600000101010101" pitchFamily="50" charset="-127"/>
+                <a:ea typeface="나눔스퀘어" panose="020B0600000101010101" pitchFamily="50" charset="-127"/>
+              </a:rPr>
+              <a:t>.</a:t>
+            </a:r>
+          </a:p>
+          <a:p>
+            <a:pPr marL="171450" indent="-171450" algn="just">
               <a:lnSpc>
-                <a:spcPct val="150000"/>
+                <a:spcPct val="200000"/>
               </a:lnSpc>
+              <a:buFont typeface="Arial" panose="020B0604020202020204" pitchFamily="34" charset="0"/>
+              <a:buChar char="•"/>
             </a:pPr>
             <a:r>
               <a:rPr lang="ko-KR" altLang="en-US" sz="1200" dirty="0">
@@ -12341,7 +12517,7 @@
                 <a:latin typeface="나눔스퀘어" panose="020B0600000101010101" pitchFamily="50" charset="-127"/>
                 <a:ea typeface="나눔스퀘어" panose="020B0600000101010101" pitchFamily="50" charset="-127"/>
               </a:rPr>
-              <a:t>배달의 </a:t>
+              <a:t>배달 중개사업자는 라이더의 산재보험의 절반</a:t>
             </a:r>
             <a:r>
               <a:rPr lang="en-US" altLang="ko-KR" sz="1200" dirty="0">
@@ -12351,7 +12527,7 @@
                 <a:latin typeface="나눔스퀘어" panose="020B0600000101010101" pitchFamily="50" charset="-127"/>
                 <a:ea typeface="나눔스퀘어" panose="020B0600000101010101" pitchFamily="50" charset="-127"/>
               </a:rPr>
-              <a:t>Quality</a:t>
+              <a:t>(</a:t>
             </a:r>
             <a:r>
               <a:rPr lang="ko-KR" altLang="en-US" sz="1200" dirty="0">
@@ -12361,7 +12537,17 @@
                 <a:latin typeface="나눔스퀘어" panose="020B0600000101010101" pitchFamily="50" charset="-127"/>
                 <a:ea typeface="나눔스퀘어" panose="020B0600000101010101" pitchFamily="50" charset="-127"/>
               </a:rPr>
-              <a:t>는 배달 중개서비스의 </a:t>
+              <a:t>배민 </a:t>
+            </a:r>
+            <a:r>
+              <a:rPr lang="ko-KR" altLang="en-US" sz="1200" dirty="0" err="1">
+                <a:solidFill>
+                  <a:schemeClr val="tx1"/>
+                </a:solidFill>
+                <a:latin typeface="나눔스퀘어" panose="020B0600000101010101" pitchFamily="50" charset="-127"/>
+                <a:ea typeface="나눔스퀘어" panose="020B0600000101010101" pitchFamily="50" charset="-127"/>
+              </a:rPr>
+              <a:t>커넥트기준</a:t>
             </a:r>
             <a:r>
               <a:rPr lang="en-US" altLang="ko-KR" sz="1200" dirty="0">
@@ -12371,7 +12557,7 @@
                 <a:latin typeface="나눔스퀘어" panose="020B0600000101010101" pitchFamily="50" charset="-127"/>
                 <a:ea typeface="나눔스퀘어" panose="020B0600000101010101" pitchFamily="50" charset="-127"/>
               </a:rPr>
-              <a:t>Quality</a:t>
+              <a:t>)</a:t>
             </a:r>
             <a:r>
               <a:rPr lang="ko-KR" altLang="en-US" sz="1200" dirty="0">
@@ -12381,7 +12567,7 @@
                 <a:latin typeface="나눔스퀘어" panose="020B0600000101010101" pitchFamily="50" charset="-127"/>
                 <a:ea typeface="나눔스퀘어" panose="020B0600000101010101" pitchFamily="50" charset="-127"/>
               </a:rPr>
-              <a:t>에 영향</a:t>
+              <a:t>을 지원하고 있음</a:t>
             </a:r>
             <a:r>
               <a:rPr lang="en-US" altLang="ko-KR" sz="1200" dirty="0">
@@ -12395,74 +12581,33 @@
             </a:r>
           </a:p>
           <a:p>
-            <a:pPr algn="just">
+            <a:pPr marL="171450" indent="-171450" algn="just">
               <a:lnSpc>
-                <a:spcPct val="150000"/>
+                <a:spcPct val="200000"/>
               </a:lnSpc>
+              <a:buFont typeface="Arial" panose="020B0604020202020204" pitchFamily="34" charset="0"/>
+              <a:buChar char="•"/>
             </a:pPr>
-            <a:endParaRPr lang="en-US" altLang="ko-KR" sz="1200" dirty="0">
-              <a:solidFill>
-                <a:schemeClr val="tx1"/>
-              </a:solidFill>
-              <a:latin typeface="나눔스퀘어" panose="020B0600000101010101" pitchFamily="50" charset="-127"/>
-              <a:ea typeface="나눔스퀘어" panose="020B0600000101010101" pitchFamily="50" charset="-127"/>
-            </a:endParaRPr>
-          </a:p>
-          <a:p>
-            <a:pPr algn="just">
-              <a:lnSpc>
-                <a:spcPct val="150000"/>
-              </a:lnSpc>
-            </a:pPr>
-            <a:endParaRPr lang="en-US" altLang="ko-KR" sz="1200" dirty="0">
-              <a:solidFill>
-                <a:schemeClr val="tx1"/>
-              </a:solidFill>
-              <a:latin typeface="나눔스퀘어" panose="020B0600000101010101" pitchFamily="50" charset="-127"/>
-              <a:ea typeface="나눔스퀘어" panose="020B0600000101010101" pitchFamily="50" charset="-127"/>
-            </a:endParaRPr>
-          </a:p>
-          <a:p>
-            <a:pPr algn="just">
-              <a:lnSpc>
-                <a:spcPct val="150000"/>
-              </a:lnSpc>
-            </a:pPr>
-            <a:endParaRPr lang="en-US" altLang="ko-KR" sz="1200" dirty="0">
-              <a:solidFill>
-                <a:schemeClr val="tx1"/>
-              </a:solidFill>
-              <a:latin typeface="나눔스퀘어" panose="020B0600000101010101" pitchFamily="50" charset="-127"/>
-              <a:ea typeface="나눔스퀘어" panose="020B0600000101010101" pitchFamily="50" charset="-127"/>
-            </a:endParaRPr>
-          </a:p>
-          <a:p>
-            <a:pPr algn="just">
-              <a:lnSpc>
-                <a:spcPct val="150000"/>
-              </a:lnSpc>
-            </a:pPr>
-            <a:endParaRPr lang="en-US" altLang="ko-KR" sz="1200" dirty="0">
-              <a:solidFill>
-                <a:schemeClr val="tx1"/>
-              </a:solidFill>
-              <a:latin typeface="나눔스퀘어" panose="020B0600000101010101" pitchFamily="50" charset="-127"/>
-              <a:ea typeface="나눔스퀘어" panose="020B0600000101010101" pitchFamily="50" charset="-127"/>
-            </a:endParaRPr>
-          </a:p>
-          <a:p>
-            <a:pPr algn="just">
-              <a:lnSpc>
-                <a:spcPct val="150000"/>
-              </a:lnSpc>
-            </a:pPr>
-            <a:endParaRPr lang="en-US" altLang="ko-KR" sz="1200" dirty="0">
-              <a:solidFill>
-                <a:schemeClr val="tx1"/>
-              </a:solidFill>
-              <a:latin typeface="나눔스퀘어" panose="020B0600000101010101" pitchFamily="50" charset="-127"/>
-              <a:ea typeface="나눔스퀘어" panose="020B0600000101010101" pitchFamily="50" charset="-127"/>
-            </a:endParaRPr>
+            <a:r>
+              <a:rPr lang="ko-KR" altLang="en-US" sz="1200" dirty="0">
+                <a:solidFill>
+                  <a:schemeClr val="tx1"/>
+                </a:solidFill>
+                <a:latin typeface="Abadi" panose="020B0604020104020204" pitchFamily="34" charset="0"/>
+                <a:ea typeface="나눔스퀘어" panose="020B0600000101010101" pitchFamily="50" charset="-127"/>
+              </a:rPr>
+              <a:t>이륜차 사고율이 증가하고 있기 때문에 보험회사에서 산재처리 건수가 늘어나고 있음</a:t>
+            </a:r>
+            <a:r>
+              <a:rPr lang="en-US" altLang="ko-KR" sz="1200" dirty="0">
+                <a:solidFill>
+                  <a:schemeClr val="tx1"/>
+                </a:solidFill>
+                <a:latin typeface="Abadi" panose="020B0604020104020204" pitchFamily="34" charset="0"/>
+                <a:ea typeface="나눔스퀘어" panose="020B0600000101010101" pitchFamily="50" charset="-127"/>
+              </a:rPr>
+              <a:t>.</a:t>
+            </a:r>
           </a:p>
         </p:txBody>
       </p:sp>
@@ -12480,8 +12625,8 @@
         </p:nvSpPr>
         <p:spPr>
           <a:xfrm>
-            <a:off x="731838" y="1767702"/>
-            <a:ext cx="10620375" cy="2769433"/>
+            <a:off x="731838" y="1767703"/>
+            <a:ext cx="10620375" cy="2320764"/>
           </a:xfrm>
           <a:prstGeom prst="rect">
             <a:avLst/>
@@ -12520,10 +12665,12 @@
           <a:bodyPr rtlCol="0" anchor="t"/>
           <a:lstStyle/>
           <a:p>
-            <a:pPr algn="just">
+            <a:pPr marL="171450" indent="-171450" algn="just">
               <a:lnSpc>
                 <a:spcPct val="150000"/>
               </a:lnSpc>
+              <a:buFont typeface="Arial" panose="020B0604020202020204" pitchFamily="34" charset="0"/>
+              <a:buChar char="•"/>
             </a:pPr>
             <a:r>
               <a:rPr lang="ko-KR" altLang="en-US" sz="1200" dirty="0">
@@ -12533,21 +12680,26 @@
                 <a:latin typeface="나눔스퀘어" panose="020B0600000101010101" pitchFamily="50" charset="-127"/>
                 <a:ea typeface="나눔스퀘어" panose="020B0600000101010101" pitchFamily="50" charset="-127"/>
               </a:rPr>
-              <a:t>배달원에 대한 텍스트 감정분석</a:t>
-            </a:r>
-            <a:endParaRPr lang="en-US" altLang="ko-KR" sz="1200" dirty="0">
-              <a:solidFill>
-                <a:schemeClr val="tx1"/>
-              </a:solidFill>
-              <a:latin typeface="나눔스퀘어" panose="020B0600000101010101" pitchFamily="50" charset="-127"/>
-              <a:ea typeface="나눔스퀘어" panose="020B0600000101010101" pitchFamily="50" charset="-127"/>
-            </a:endParaRPr>
-          </a:p>
-          <a:p>
-            <a:pPr algn="just">
+              <a:t>배달원 관련 이슈가 많아지고 있음</a:t>
+            </a:r>
+            <a:r>
+              <a:rPr lang="en-US" altLang="ko-KR" sz="1200" dirty="0">
+                <a:solidFill>
+                  <a:schemeClr val="tx1"/>
+                </a:solidFill>
+                <a:latin typeface="나눔스퀘어" panose="020B0600000101010101" pitchFamily="50" charset="-127"/>
+                <a:ea typeface="나눔스퀘어" panose="020B0600000101010101" pitchFamily="50" charset="-127"/>
+              </a:rPr>
+              <a:t>.</a:t>
+            </a:r>
+          </a:p>
+          <a:p>
+            <a:pPr marL="171450" indent="-171450" algn="just">
               <a:lnSpc>
                 <a:spcPct val="150000"/>
               </a:lnSpc>
+              <a:buFont typeface="Arial" panose="020B0604020202020204" pitchFamily="34" charset="0"/>
+              <a:buChar char="•"/>
             </a:pPr>
             <a:endParaRPr lang="en-US" altLang="ko-KR" sz="1200" dirty="0">
               <a:solidFill>
@@ -12558,10 +12710,12 @@
             </a:endParaRPr>
           </a:p>
           <a:p>
-            <a:pPr algn="just">
+            <a:pPr marL="171450" indent="-171450" algn="just">
               <a:lnSpc>
                 <a:spcPct val="150000"/>
               </a:lnSpc>
+              <a:buFont typeface="Arial" panose="020B0604020202020204" pitchFamily="34" charset="0"/>
+              <a:buChar char="•"/>
             </a:pPr>
             <a:r>
               <a:rPr lang="ko-KR" altLang="en-US" sz="1200" dirty="0">
@@ -12571,7 +12725,7 @@
                 <a:latin typeface="나눔스퀘어" panose="020B0600000101010101" pitchFamily="50" charset="-127"/>
                 <a:ea typeface="나눔스퀘어" panose="020B0600000101010101" pitchFamily="50" charset="-127"/>
               </a:rPr>
-              <a:t>배달원 관련 이슈</a:t>
+              <a:t>국회 관련법 논의</a:t>
             </a:r>
             <a:endParaRPr lang="en-US" altLang="ko-KR" sz="1200" dirty="0">
               <a:solidFill>
@@ -12582,10 +12736,12 @@
             </a:endParaRPr>
           </a:p>
           <a:p>
-            <a:pPr algn="just">
+            <a:pPr marL="171450" indent="-171450" algn="just">
               <a:lnSpc>
                 <a:spcPct val="150000"/>
               </a:lnSpc>
+              <a:buFont typeface="Arial" panose="020B0604020202020204" pitchFamily="34" charset="0"/>
+              <a:buChar char="•"/>
             </a:pPr>
             <a:endParaRPr lang="en-US" altLang="ko-KR" sz="1200" dirty="0">
               <a:solidFill>
@@ -12596,10 +12752,12 @@
             </a:endParaRPr>
           </a:p>
           <a:p>
-            <a:pPr algn="just">
+            <a:pPr marL="171450" indent="-171450" algn="just">
               <a:lnSpc>
                 <a:spcPct val="150000"/>
               </a:lnSpc>
+              <a:buFont typeface="Arial" panose="020B0604020202020204" pitchFamily="34" charset="0"/>
+              <a:buChar char="•"/>
             </a:pPr>
             <a:r>
               <a:rPr lang="ko-KR" altLang="en-US" sz="1200" dirty="0">
@@ -12609,7 +12767,7 @@
                 <a:latin typeface="나눔스퀘어" panose="020B0600000101010101" pitchFamily="50" charset="-127"/>
                 <a:ea typeface="나눔스퀘어" panose="020B0600000101010101" pitchFamily="50" charset="-127"/>
               </a:rPr>
-              <a:t>국회 관련법 논의</a:t>
+              <a:t>급증하고 있는 이륜차 사망사고</a:t>
             </a:r>
             <a:endParaRPr lang="en-US" altLang="ko-KR" sz="1200" dirty="0">
               <a:solidFill>
@@ -12620,10 +12778,12 @@
             </a:endParaRPr>
           </a:p>
           <a:p>
-            <a:pPr algn="just">
+            <a:pPr marL="171450" indent="-171450" algn="just">
               <a:lnSpc>
                 <a:spcPct val="150000"/>
               </a:lnSpc>
+              <a:buFont typeface="Arial" panose="020B0604020202020204" pitchFamily="34" charset="0"/>
+              <a:buChar char="•"/>
             </a:pPr>
             <a:endParaRPr lang="en-US" altLang="ko-KR" sz="1200" dirty="0">
               <a:solidFill>
@@ -12634,10 +12794,12 @@
             </a:endParaRPr>
           </a:p>
           <a:p>
-            <a:pPr algn="just">
+            <a:pPr marL="171450" indent="-171450" algn="just">
               <a:lnSpc>
                 <a:spcPct val="150000"/>
               </a:lnSpc>
+              <a:buFont typeface="Arial" panose="020B0604020202020204" pitchFamily="34" charset="0"/>
+              <a:buChar char="•"/>
             </a:pPr>
             <a:r>
               <a:rPr lang="ko-KR" altLang="en-US" sz="1200" dirty="0">
@@ -12647,7 +12809,57 @@
                 <a:latin typeface="나눔스퀘어" panose="020B0600000101010101" pitchFamily="50" charset="-127"/>
                 <a:ea typeface="나눔스퀘어" panose="020B0600000101010101" pitchFamily="50" charset="-127"/>
               </a:rPr>
-              <a:t>급증하고 있는 이륜차 사망사고</a:t>
+              <a:t>배달원 노조</a:t>
+            </a:r>
+            <a:r>
+              <a:rPr lang="en-US" altLang="ko-KR" sz="1200" dirty="0">
+                <a:solidFill>
+                  <a:schemeClr val="tx1"/>
+                </a:solidFill>
+                <a:latin typeface="나눔스퀘어" panose="020B0600000101010101" pitchFamily="50" charset="-127"/>
+                <a:ea typeface="나눔스퀘어" panose="020B0600000101010101" pitchFamily="50" charset="-127"/>
+              </a:rPr>
+              <a:t>(</a:t>
+            </a:r>
+            <a:r>
+              <a:rPr lang="ko-KR" altLang="en-US" sz="1200" dirty="0" err="1">
+                <a:solidFill>
+                  <a:schemeClr val="tx1"/>
+                </a:solidFill>
+                <a:latin typeface="나눔스퀘어" panose="020B0600000101010101" pitchFamily="50" charset="-127"/>
+                <a:ea typeface="나눔스퀘어" panose="020B0600000101010101" pitchFamily="50" charset="-127"/>
+              </a:rPr>
+              <a:t>라이더스</a:t>
+            </a:r>
+            <a:r>
+              <a:rPr lang="ko-KR" altLang="en-US" sz="1200" dirty="0">
+                <a:solidFill>
+                  <a:schemeClr val="tx1"/>
+                </a:solidFill>
+                <a:latin typeface="나눔스퀘어" panose="020B0600000101010101" pitchFamily="50" charset="-127"/>
+                <a:ea typeface="나눔스퀘어" panose="020B0600000101010101" pitchFamily="50" charset="-127"/>
+              </a:rPr>
+              <a:t> 유니온</a:t>
+            </a:r>
+            <a:r>
+              <a:rPr lang="en-US" altLang="ko-KR" sz="1200" dirty="0">
+                <a:solidFill>
+                  <a:schemeClr val="tx1"/>
+                </a:solidFill>
+                <a:latin typeface="나눔스퀘어" panose="020B0600000101010101" pitchFamily="50" charset="-127"/>
+                <a:ea typeface="나눔스퀘어" panose="020B0600000101010101" pitchFamily="50" charset="-127"/>
+              </a:rPr>
+              <a:t>) </a:t>
+            </a:r>
+            <a:r>
+              <a:rPr lang="ko-KR" altLang="en-US" sz="1200" dirty="0">
+                <a:solidFill>
+                  <a:schemeClr val="tx1"/>
+                </a:solidFill>
+                <a:latin typeface="나눔스퀘어" panose="020B0600000101010101" pitchFamily="50" charset="-127"/>
+                <a:ea typeface="나눔스퀘어" panose="020B0600000101010101" pitchFamily="50" charset="-127"/>
+              </a:rPr>
+              <a:t>신설</a:t>
             </a:r>
             <a:endParaRPr lang="en-US" altLang="ko-KR" sz="1200" dirty="0">
               <a:solidFill>
@@ -12658,10 +12870,12 @@
             </a:endParaRPr>
           </a:p>
           <a:p>
-            <a:pPr algn="just">
+            <a:pPr marL="171450" indent="-171450" algn="just">
               <a:lnSpc>
                 <a:spcPct val="150000"/>
               </a:lnSpc>
+              <a:buFont typeface="Arial" panose="020B0604020202020204" pitchFamily="34" charset="0"/>
+              <a:buChar char="•"/>
             </a:pPr>
             <a:endParaRPr lang="en-US" altLang="ko-KR" sz="1200" dirty="0">
               <a:solidFill>
@@ -12671,44 +12885,6 @@
               <a:ea typeface="나눔스퀘어" panose="020B0600000101010101" pitchFamily="50" charset="-127"/>
             </a:endParaRPr>
           </a:p>
-          <a:p>
-            <a:pPr algn="just">
-              <a:lnSpc>
-                <a:spcPct val="150000"/>
-              </a:lnSpc>
-            </a:pPr>
-            <a:r>
-              <a:rPr lang="ko-KR" altLang="en-US" sz="1200" dirty="0">
-                <a:solidFill>
-                  <a:schemeClr val="tx1"/>
-                </a:solidFill>
-                <a:latin typeface="나눔스퀘어" panose="020B0600000101010101" pitchFamily="50" charset="-127"/>
-                <a:ea typeface="나눔스퀘어" panose="020B0600000101010101" pitchFamily="50" charset="-127"/>
-              </a:rPr>
-              <a:t>배달원 노조 등</a:t>
-            </a:r>
-            <a:endParaRPr lang="en-US" altLang="ko-KR" sz="1200" dirty="0">
-              <a:solidFill>
-                <a:schemeClr val="tx1"/>
-              </a:solidFill>
-              <a:latin typeface="나눔스퀘어" panose="020B0600000101010101" pitchFamily="50" charset="-127"/>
-              <a:ea typeface="나눔스퀘어" panose="020B0600000101010101" pitchFamily="50" charset="-127"/>
-            </a:endParaRPr>
-          </a:p>
-          <a:p>
-            <a:pPr algn="just">
-              <a:lnSpc>
-                <a:spcPct val="150000"/>
-              </a:lnSpc>
-            </a:pPr>
-            <a:endParaRPr lang="en-US" altLang="ko-KR" sz="1200" dirty="0">
-              <a:solidFill>
-                <a:schemeClr val="tx1"/>
-              </a:solidFill>
-              <a:latin typeface="나눔스퀘어" panose="020B0600000101010101" pitchFamily="50" charset="-127"/>
-              <a:ea typeface="나눔스퀘어" panose="020B0600000101010101" pitchFamily="50" charset="-127"/>
-            </a:endParaRPr>
-          </a:p>
         </p:txBody>
       </p:sp>
       <p:sp>
@@ -12725,7 +12901,7 @@
         </p:nvSpPr>
         <p:spPr>
           <a:xfrm>
-            <a:off x="731838" y="4760881"/>
+            <a:off x="731838" y="4155666"/>
             <a:ext cx="6097508" cy="426142"/>
           </a:xfrm>
           <a:prstGeom prst="rect">
@@ -12749,7 +12925,7 @@
                 <a:latin typeface="나눔스퀘어" panose="020B0600000101010101" pitchFamily="50" charset="-127"/>
                 <a:ea typeface="나눔스퀘어" panose="020B0600000101010101" pitchFamily="50" charset="-127"/>
               </a:rPr>
-              <a:t>서비스 품질 리스크</a:t>
+              <a:t>서비스 차원 리스크</a:t>
             </a:r>
             <a:endParaRPr lang="en-US" altLang="ko-KR" sz="1600" dirty="0">
               <a:solidFill>
@@ -15103,7 +15279,7 @@
                 <a:latin typeface="나눔스퀘어" panose="020B0600000101010101" pitchFamily="50" charset="-127"/>
                 <a:ea typeface="나눔스퀘어" panose="020B0600000101010101" pitchFamily="50" charset="-127"/>
               </a:rPr>
-              <a:t>5~10</a:t>
+              <a:t>5~11</a:t>
             </a:r>
             <a:r>
               <a:rPr lang="ko-KR" altLang="en-US" sz="1200" dirty="0">
@@ -15422,7 +15598,7 @@
         <p:spPr>
           <a:xfrm>
             <a:off x="10071006" y="2860486"/>
-            <a:ext cx="598756" cy="248006"/>
+            <a:ext cx="598756" cy="276999"/>
           </a:xfrm>
           <a:prstGeom prst="rect">
             <a:avLst/>
@@ -15447,7 +15623,7 @@
                 <a:latin typeface="나눔스퀘어" panose="020B0600000101010101" pitchFamily="50" charset="-127"/>
                 <a:ea typeface="나눔스퀘어" panose="020B0600000101010101" pitchFamily="50" charset="-127"/>
               </a:rPr>
-              <a:t>2</a:t>
+              <a:t>0~2</a:t>
             </a:r>
             <a:r>
               <a:rPr lang="ko-KR" altLang="en-US" sz="1200" dirty="0">
@@ -16223,7 +16399,7 @@
                   </a:schemeClr>
                 </a:solidFill>
               </a:rPr>
-              <a:t>배달 운행 중 안전 운행 정도</a:t>
+              <a:t>흔들림 데이터</a:t>
             </a:r>
             <a:endParaRPr lang="en-US" altLang="ko-KR" sz="1400" dirty="0">
               <a:solidFill>
@@ -16266,273 +16442,1684 @@
           <a:chExt cx="0" cy="0"/>
         </a:xfrm>
       </p:grpSpPr>
+      <p:graphicFrame>
+        <p:nvGraphicFramePr>
+          <p:cNvPr id="5" name="내용 개체 틀 4">
+            <a:extLst>
+              <a:ext uri="{FF2B5EF4-FFF2-40B4-BE49-F238E27FC236}">
+                <a16:creationId xmlns:a16="http://schemas.microsoft.com/office/drawing/2014/main" id="{0B3B4F7D-4E7C-48A6-BD57-B9D8112C59CD}"/>
+              </a:ext>
+            </a:extLst>
+          </p:cNvPr>
+          <p:cNvGraphicFramePr>
+            <a:graphicFrameLocks noGrp="1"/>
+          </p:cNvGraphicFramePr>
+          <p:nvPr>
+            <p:ph sz="half" idx="13"/>
+            <p:extLst>
+              <p:ext uri="{D42A27DB-BD31-4B8C-83A1-F6EECF244321}">
+                <p14:modId xmlns:p14="http://schemas.microsoft.com/office/powerpoint/2010/main" val="1563762399"/>
+              </p:ext>
+            </p:extLst>
+          </p:nvPr>
+        </p:nvGraphicFramePr>
+        <p:xfrm>
+          <a:off x="731838" y="1268413"/>
+          <a:ext cx="10621961" cy="5040313"/>
+        </p:xfrm>
+        <a:graphic>
+          <a:graphicData uri="http://schemas.openxmlformats.org/drawingml/2006/table">
+            <a:tbl>
+              <a:tblPr firstRow="1" firstCol="1" bandRow="1">
+                <a:tableStyleId>{5C22544A-7EE6-4342-B048-85BDC9FD1C3A}</a:tableStyleId>
+              </a:tblPr>
+              <a:tblGrid>
+                <a:gridCol w="2123817">
+                  <a:extLst>
+                    <a:ext uri="{9D8B030D-6E8A-4147-A177-3AD203B41FA5}">
+                      <a16:colId xmlns:a16="http://schemas.microsoft.com/office/drawing/2014/main" val="3999279577"/>
+                    </a:ext>
+                  </a:extLst>
+                </a:gridCol>
+                <a:gridCol w="2124536">
+                  <a:extLst>
+                    <a:ext uri="{9D8B030D-6E8A-4147-A177-3AD203B41FA5}">
+                      <a16:colId xmlns:a16="http://schemas.microsoft.com/office/drawing/2014/main" val="4291318450"/>
+                    </a:ext>
+                  </a:extLst>
+                </a:gridCol>
+                <a:gridCol w="2124536">
+                  <a:extLst>
+                    <a:ext uri="{9D8B030D-6E8A-4147-A177-3AD203B41FA5}">
+                      <a16:colId xmlns:a16="http://schemas.microsoft.com/office/drawing/2014/main" val="3349284924"/>
+                    </a:ext>
+                  </a:extLst>
+                </a:gridCol>
+                <a:gridCol w="2124536">
+                  <a:extLst>
+                    <a:ext uri="{9D8B030D-6E8A-4147-A177-3AD203B41FA5}">
+                      <a16:colId xmlns:a16="http://schemas.microsoft.com/office/drawing/2014/main" val="4238667800"/>
+                    </a:ext>
+                  </a:extLst>
+                </a:gridCol>
+                <a:gridCol w="2124536">
+                  <a:extLst>
+                    <a:ext uri="{9D8B030D-6E8A-4147-A177-3AD203B41FA5}">
+                      <a16:colId xmlns:a16="http://schemas.microsoft.com/office/drawing/2014/main" val="3286503525"/>
+                    </a:ext>
+                  </a:extLst>
+                </a:gridCol>
+              </a:tblGrid>
+              <a:tr h="630956">
+                <a:tc>
+                  <a:txBody>
+                    <a:bodyPr/>
+                    <a:lstStyle/>
+                    <a:p>
+                      <a:pPr algn="ctr" latinLnBrk="0">
+                        <a:lnSpc>
+                          <a:spcPct val="130000"/>
+                        </a:lnSpc>
+                      </a:pPr>
+                      <a:r>
+                        <a:rPr lang="ko-KR" sz="1000" kern="100" spc="-50" dirty="0">
+                          <a:effectLst/>
+                          <a:latin typeface="나눔스퀘어" panose="020B0600000101010101" pitchFamily="50" charset="-127"/>
+                          <a:ea typeface="나눔스퀘어" panose="020B0600000101010101" pitchFamily="50" charset="-127"/>
+                        </a:rPr>
+                        <a:t>프로젝트 팀원</a:t>
+                      </a:r>
+                      <a:endParaRPr lang="ko-KR" sz="1000" kern="100" dirty="0">
+                        <a:effectLst/>
+                        <a:latin typeface="나눔스퀘어" panose="020B0600000101010101" pitchFamily="50" charset="-127"/>
+                        <a:ea typeface="나눔스퀘어" panose="020B0600000101010101" pitchFamily="50" charset="-127"/>
+                        <a:cs typeface="Times New Roman" panose="02020603050405020304" pitchFamily="18" charset="0"/>
+                      </a:endParaRPr>
+                    </a:p>
+                  </a:txBody>
+                  <a:tcPr marL="68580" marR="68580" marT="0" marB="0" anchor="ctr"/>
+                </a:tc>
+                <a:tc gridSpan="4">
+                  <a:txBody>
+                    <a:bodyPr/>
+                    <a:lstStyle/>
+                    <a:p>
+                      <a:pPr algn="just" latinLnBrk="0">
+                        <a:lnSpc>
+                          <a:spcPct val="130000"/>
+                        </a:lnSpc>
+                      </a:pPr>
+                      <a:r>
+                        <a:rPr lang="ko-KR" sz="1000" kern="100" spc="-50" dirty="0" err="1">
+                          <a:effectLst/>
+                          <a:latin typeface="나눔스퀘어" panose="020B0600000101010101" pitchFamily="50" charset="-127"/>
+                          <a:ea typeface="나눔스퀘어" panose="020B0600000101010101" pitchFamily="50" charset="-127"/>
+                        </a:rPr>
+                        <a:t>팀명</a:t>
+                      </a:r>
+                      <a:r>
+                        <a:rPr lang="en-US" sz="1000" kern="100" spc="-50" dirty="0">
+                          <a:effectLst/>
+                          <a:latin typeface="나눔스퀘어" panose="020B0600000101010101" pitchFamily="50" charset="-127"/>
+                          <a:ea typeface="나눔스퀘어" panose="020B0600000101010101" pitchFamily="50" charset="-127"/>
+                        </a:rPr>
+                        <a:t>: </a:t>
+                      </a:r>
+                      <a:r>
+                        <a:rPr lang="ko-KR" sz="1000" kern="100" spc="-50" dirty="0">
+                          <a:effectLst/>
+                          <a:latin typeface="나눔스퀘어" panose="020B0600000101010101" pitchFamily="50" charset="-127"/>
+                          <a:ea typeface="나눔스퀘어" panose="020B0600000101010101" pitchFamily="50" charset="-127"/>
+                        </a:rPr>
+                        <a:t>헤라클레스</a:t>
+                      </a:r>
+                      <a:endParaRPr lang="ko-KR" sz="1000" kern="100" dirty="0">
+                        <a:effectLst/>
+                        <a:latin typeface="나눔스퀘어" panose="020B0600000101010101" pitchFamily="50" charset="-127"/>
+                        <a:ea typeface="나눔스퀘어" panose="020B0600000101010101" pitchFamily="50" charset="-127"/>
+                      </a:endParaRPr>
+                    </a:p>
+                    <a:p>
+                      <a:pPr algn="just" latinLnBrk="0">
+                        <a:lnSpc>
+                          <a:spcPct val="130000"/>
+                        </a:lnSpc>
+                      </a:pPr>
+                      <a:r>
+                        <a:rPr lang="ko-KR" sz="1000" kern="100" spc="-50" dirty="0">
+                          <a:effectLst/>
+                          <a:latin typeface="나눔스퀘어" panose="020B0600000101010101" pitchFamily="50" charset="-127"/>
+                          <a:ea typeface="나눔스퀘어" panose="020B0600000101010101" pitchFamily="50" charset="-127"/>
+                        </a:rPr>
+                        <a:t>팀장</a:t>
+                      </a:r>
+                      <a:r>
+                        <a:rPr lang="en-US" sz="1000" kern="100" spc="-50" dirty="0">
+                          <a:effectLst/>
+                          <a:latin typeface="나눔스퀘어" panose="020B0600000101010101" pitchFamily="50" charset="-127"/>
+                          <a:ea typeface="나눔스퀘어" panose="020B0600000101010101" pitchFamily="50" charset="-127"/>
+                        </a:rPr>
+                        <a:t>: </a:t>
+                      </a:r>
+                      <a:r>
+                        <a:rPr lang="ko-KR" sz="1000" kern="100" spc="-50" dirty="0">
+                          <a:effectLst/>
+                          <a:latin typeface="나눔스퀘어" panose="020B0600000101010101" pitchFamily="50" charset="-127"/>
+                          <a:ea typeface="나눔스퀘어" panose="020B0600000101010101" pitchFamily="50" charset="-127"/>
+                        </a:rPr>
+                        <a:t>이동규 </a:t>
+                      </a:r>
+                      <a:endParaRPr lang="ko-KR" sz="1000" kern="100" dirty="0">
+                        <a:effectLst/>
+                        <a:latin typeface="나눔스퀘어" panose="020B0600000101010101" pitchFamily="50" charset="-127"/>
+                        <a:ea typeface="나눔스퀘어" panose="020B0600000101010101" pitchFamily="50" charset="-127"/>
+                      </a:endParaRPr>
+                    </a:p>
+                    <a:p>
+                      <a:pPr algn="just" latinLnBrk="0">
+                        <a:lnSpc>
+                          <a:spcPct val="130000"/>
+                        </a:lnSpc>
+                      </a:pPr>
+                      <a:r>
+                        <a:rPr lang="ko-KR" sz="1000" kern="100" spc="-50" dirty="0">
+                          <a:effectLst/>
+                          <a:latin typeface="나눔스퀘어" panose="020B0600000101010101" pitchFamily="50" charset="-127"/>
+                          <a:ea typeface="나눔스퀘어" panose="020B0600000101010101" pitchFamily="50" charset="-127"/>
+                        </a:rPr>
+                        <a:t>팀원</a:t>
+                      </a:r>
+                      <a:r>
+                        <a:rPr lang="en-US" sz="1000" kern="100" spc="-50" dirty="0">
+                          <a:effectLst/>
+                          <a:latin typeface="나눔스퀘어" panose="020B0600000101010101" pitchFamily="50" charset="-127"/>
+                          <a:ea typeface="나눔스퀘어" panose="020B0600000101010101" pitchFamily="50" charset="-127"/>
+                        </a:rPr>
+                        <a:t>: (</a:t>
+                      </a:r>
+                      <a:r>
+                        <a:rPr lang="ko-KR" sz="1000" kern="100" spc="-50" dirty="0">
+                          <a:effectLst/>
+                          <a:latin typeface="나눔스퀘어" panose="020B0600000101010101" pitchFamily="50" charset="-127"/>
+                          <a:ea typeface="나눔스퀘어" panose="020B0600000101010101" pitchFamily="50" charset="-127"/>
+                        </a:rPr>
+                        <a:t>빅</a:t>
+                      </a:r>
+                      <a:r>
+                        <a:rPr lang="en-US" sz="1000" kern="100" spc="-50" dirty="0">
+                          <a:effectLst/>
+                          <a:latin typeface="나눔스퀘어" panose="020B0600000101010101" pitchFamily="50" charset="-127"/>
+                          <a:ea typeface="나눔스퀘어" panose="020B0600000101010101" pitchFamily="50" charset="-127"/>
+                        </a:rPr>
+                        <a:t>)</a:t>
+                      </a:r>
+                      <a:r>
+                        <a:rPr lang="ko-KR" sz="1000" kern="100" spc="-50" dirty="0">
+                          <a:effectLst/>
+                          <a:latin typeface="나눔스퀘어" panose="020B0600000101010101" pitchFamily="50" charset="-127"/>
+                          <a:ea typeface="나눔스퀘어" panose="020B0600000101010101" pitchFamily="50" charset="-127"/>
+                        </a:rPr>
+                        <a:t>박성준</a:t>
+                      </a:r>
+                      <a:r>
+                        <a:rPr lang="en-US" sz="1000" kern="100" spc="-50" dirty="0">
+                          <a:effectLst/>
+                          <a:latin typeface="나눔스퀘어" panose="020B0600000101010101" pitchFamily="50" charset="-127"/>
+                          <a:ea typeface="나눔스퀘어" panose="020B0600000101010101" pitchFamily="50" charset="-127"/>
+                        </a:rPr>
+                        <a:t>, </a:t>
+                      </a:r>
+                      <a:r>
+                        <a:rPr lang="ko-KR" sz="1000" kern="100" spc="-50" dirty="0" err="1">
+                          <a:effectLst/>
+                          <a:latin typeface="나눔스퀘어" panose="020B0600000101010101" pitchFamily="50" charset="-127"/>
+                          <a:ea typeface="나눔스퀘어" panose="020B0600000101010101" pitchFamily="50" charset="-127"/>
+                        </a:rPr>
+                        <a:t>홍연하</a:t>
+                      </a:r>
+                      <a:r>
+                        <a:rPr lang="en-US" sz="1000" kern="100" spc="-50" dirty="0">
+                          <a:effectLst/>
+                          <a:latin typeface="나눔스퀘어" panose="020B0600000101010101" pitchFamily="50" charset="-127"/>
+                          <a:ea typeface="나눔스퀘어" panose="020B0600000101010101" pitchFamily="50" charset="-127"/>
+                        </a:rPr>
+                        <a:t>      (A)</a:t>
+                      </a:r>
+                      <a:r>
+                        <a:rPr lang="ko-KR" sz="1000" kern="100" spc="-50" dirty="0">
+                          <a:effectLst/>
+                          <a:latin typeface="나눔스퀘어" panose="020B0600000101010101" pitchFamily="50" charset="-127"/>
+                          <a:ea typeface="나눔스퀘어" panose="020B0600000101010101" pitchFamily="50" charset="-127"/>
+                        </a:rPr>
+                        <a:t>이동규</a:t>
+                      </a:r>
+                      <a:r>
+                        <a:rPr lang="en-US" sz="1000" kern="100" spc="-50" dirty="0">
+                          <a:effectLst/>
+                          <a:latin typeface="나눔스퀘어" panose="020B0600000101010101" pitchFamily="50" charset="-127"/>
+                          <a:ea typeface="나눔스퀘어" panose="020B0600000101010101" pitchFamily="50" charset="-127"/>
+                        </a:rPr>
+                        <a:t>            (I)</a:t>
+                      </a:r>
+                      <a:r>
+                        <a:rPr lang="ko-KR" sz="1000" kern="100" spc="-50" dirty="0">
+                          <a:effectLst/>
+                          <a:latin typeface="나눔스퀘어" panose="020B0600000101010101" pitchFamily="50" charset="-127"/>
+                          <a:ea typeface="나눔스퀘어" panose="020B0600000101010101" pitchFamily="50" charset="-127"/>
+                        </a:rPr>
+                        <a:t>이주호</a:t>
+                      </a:r>
+                      <a:r>
+                        <a:rPr lang="en-US" sz="1000" kern="100" spc="-50" dirty="0">
+                          <a:effectLst/>
+                          <a:latin typeface="나눔스퀘어" panose="020B0600000101010101" pitchFamily="50" charset="-127"/>
+                          <a:ea typeface="나눔스퀘어" panose="020B0600000101010101" pitchFamily="50" charset="-127"/>
+                        </a:rPr>
+                        <a:t>           (</a:t>
+                      </a:r>
+                      <a:r>
+                        <a:rPr lang="ko-KR" sz="1000" kern="100" spc="-50" dirty="0">
+                          <a:effectLst/>
+                          <a:latin typeface="나눔스퀘어" panose="020B0600000101010101" pitchFamily="50" charset="-127"/>
+                          <a:ea typeface="나눔스퀘어" panose="020B0600000101010101" pitchFamily="50" charset="-127"/>
+                        </a:rPr>
+                        <a:t>클</a:t>
+                      </a:r>
+                      <a:r>
+                        <a:rPr lang="en-US" sz="1000" kern="100" spc="-50" dirty="0">
+                          <a:effectLst/>
+                          <a:latin typeface="나눔스퀘어" panose="020B0600000101010101" pitchFamily="50" charset="-127"/>
+                          <a:ea typeface="나눔스퀘어" panose="020B0600000101010101" pitchFamily="50" charset="-127"/>
+                        </a:rPr>
+                        <a:t>)</a:t>
+                      </a:r>
+                      <a:r>
+                        <a:rPr lang="ko-KR" sz="1000" kern="100" spc="-50" dirty="0">
+                          <a:effectLst/>
+                          <a:latin typeface="나눔스퀘어" panose="020B0600000101010101" pitchFamily="50" charset="-127"/>
+                          <a:ea typeface="나눔스퀘어" panose="020B0600000101010101" pitchFamily="50" charset="-127"/>
+                        </a:rPr>
+                        <a:t>이재환</a:t>
+                      </a:r>
+                      <a:endParaRPr lang="ko-KR" sz="1000" kern="100" dirty="0">
+                        <a:effectLst/>
+                        <a:latin typeface="나눔스퀘어" panose="020B0600000101010101" pitchFamily="50" charset="-127"/>
+                        <a:ea typeface="나눔스퀘어" panose="020B0600000101010101" pitchFamily="50" charset="-127"/>
+                        <a:cs typeface="Times New Roman" panose="02020603050405020304" pitchFamily="18" charset="0"/>
+                      </a:endParaRPr>
+                    </a:p>
+                  </a:txBody>
+                  <a:tcPr marL="68580" marR="68580" marT="0" marB="0" anchor="ctr"/>
+                </a:tc>
+                <a:tc hMerge="1">
+                  <a:txBody>
+                    <a:bodyPr/>
+                    <a:lstStyle/>
+                    <a:p>
+                      <a:pPr latinLnBrk="1"/>
+                      <a:endParaRPr lang="ko-KR" altLang="en-US"/>
+                    </a:p>
+                  </a:txBody>
+                  <a:tcPr/>
+                </a:tc>
+                <a:tc hMerge="1">
+                  <a:txBody>
+                    <a:bodyPr/>
+                    <a:lstStyle/>
+                    <a:p>
+                      <a:pPr latinLnBrk="1"/>
+                      <a:endParaRPr lang="ko-KR" altLang="en-US"/>
+                    </a:p>
+                  </a:txBody>
+                  <a:tcPr/>
+                </a:tc>
+                <a:tc hMerge="1">
+                  <a:txBody>
+                    <a:bodyPr/>
+                    <a:lstStyle/>
+                    <a:p>
+                      <a:pPr latinLnBrk="1"/>
+                      <a:endParaRPr lang="ko-KR" altLang="en-US"/>
+                    </a:p>
+                  </a:txBody>
+                  <a:tcPr/>
+                </a:tc>
+                <a:extLst>
+                  <a:ext uri="{0D108BD9-81ED-4DB2-BD59-A6C34878D82A}">
+                    <a16:rowId xmlns:a16="http://schemas.microsoft.com/office/drawing/2014/main" val="803556582"/>
+                  </a:ext>
+                </a:extLst>
+              </a:tr>
+              <a:tr h="430925">
+                <a:tc>
+                  <a:txBody>
+                    <a:bodyPr/>
+                    <a:lstStyle/>
+                    <a:p>
+                      <a:pPr algn="ctr" latinLnBrk="0">
+                        <a:lnSpc>
+                          <a:spcPct val="130000"/>
+                        </a:lnSpc>
+                      </a:pPr>
+                      <a:r>
+                        <a:rPr lang="ko-KR" sz="1000" kern="100" spc="-50">
+                          <a:effectLst/>
+                          <a:latin typeface="나눔스퀘어" panose="020B0600000101010101" pitchFamily="50" charset="-127"/>
+                          <a:ea typeface="나눔스퀘어" panose="020B0600000101010101" pitchFamily="50" charset="-127"/>
+                        </a:rPr>
+                        <a:t>프로젝트 주제</a:t>
+                      </a:r>
+                      <a:endParaRPr lang="ko-KR" sz="1000" kern="100">
+                        <a:effectLst/>
+                        <a:latin typeface="나눔스퀘어" panose="020B0600000101010101" pitchFamily="50" charset="-127"/>
+                        <a:ea typeface="나눔스퀘어" panose="020B0600000101010101" pitchFamily="50" charset="-127"/>
+                        <a:cs typeface="Times New Roman" panose="02020603050405020304" pitchFamily="18" charset="0"/>
+                      </a:endParaRPr>
+                    </a:p>
+                  </a:txBody>
+                  <a:tcPr marL="68580" marR="68580" marT="0" marB="0" anchor="ctr"/>
+                </a:tc>
+                <a:tc gridSpan="4">
+                  <a:txBody>
+                    <a:bodyPr/>
+                    <a:lstStyle/>
+                    <a:p>
+                      <a:pPr algn="just" latinLnBrk="0">
+                        <a:lnSpc>
+                          <a:spcPct val="130000"/>
+                        </a:lnSpc>
+                      </a:pPr>
+                      <a:r>
+                        <a:rPr lang="ko-KR" sz="1000" kern="100">
+                          <a:effectLst/>
+                          <a:latin typeface="나눔스퀘어" panose="020B0600000101010101" pitchFamily="50" charset="-127"/>
+                          <a:ea typeface="나눔스퀘어" panose="020B0600000101010101" pitchFamily="50" charset="-127"/>
+                        </a:rPr>
+                        <a:t>배달원들의 안전하고 편리한 배달을 돕고 라이더의 운행데이터 수집을 구현하는 유틸리티 </a:t>
+                      </a:r>
+                      <a:r>
+                        <a:rPr lang="en-US" sz="1000" kern="100">
+                          <a:effectLst/>
+                          <a:latin typeface="나눔스퀘어" panose="020B0600000101010101" pitchFamily="50" charset="-127"/>
+                          <a:ea typeface="나눔스퀘어" panose="020B0600000101010101" pitchFamily="50" charset="-127"/>
+                        </a:rPr>
+                        <a:t>API</a:t>
+                      </a:r>
+                      <a:r>
+                        <a:rPr lang="ko-KR" sz="1000" kern="100">
+                          <a:effectLst/>
+                          <a:latin typeface="나눔스퀘어" panose="020B0600000101010101" pitchFamily="50" charset="-127"/>
+                          <a:ea typeface="나눔스퀘어" panose="020B0600000101010101" pitchFamily="50" charset="-127"/>
+                        </a:rPr>
+                        <a:t>서비스</a:t>
+                      </a:r>
+                      <a:r>
+                        <a:rPr lang="en-US" sz="1000" kern="100">
+                          <a:effectLst/>
+                          <a:latin typeface="나눔스퀘어" panose="020B0600000101010101" pitchFamily="50" charset="-127"/>
+                          <a:ea typeface="나눔스퀘어" panose="020B0600000101010101" pitchFamily="50" charset="-127"/>
+                        </a:rPr>
+                        <a:t>(</a:t>
+                      </a:r>
+                      <a:r>
+                        <a:rPr lang="ko-KR" sz="1000" kern="100">
+                          <a:effectLst/>
+                          <a:latin typeface="나눔스퀘어" panose="020B0600000101010101" pitchFamily="50" charset="-127"/>
+                          <a:ea typeface="나눔스퀘어" panose="020B0600000101010101" pitchFamily="50" charset="-127"/>
+                        </a:rPr>
+                        <a:t>음성인식</a:t>
+                      </a:r>
+                      <a:r>
+                        <a:rPr lang="en-US" sz="1000" kern="100">
+                          <a:effectLst/>
+                          <a:latin typeface="나눔스퀘어" panose="020B0600000101010101" pitchFamily="50" charset="-127"/>
+                          <a:ea typeface="나눔스퀘어" panose="020B0600000101010101" pitchFamily="50" charset="-127"/>
+                        </a:rPr>
+                        <a:t>)</a:t>
+                      </a:r>
+                      <a:endParaRPr lang="ko-KR" sz="1000" kern="100">
+                        <a:effectLst/>
+                        <a:latin typeface="나눔스퀘어" panose="020B0600000101010101" pitchFamily="50" charset="-127"/>
+                        <a:ea typeface="나눔스퀘어" panose="020B0600000101010101" pitchFamily="50" charset="-127"/>
+                        <a:cs typeface="Times New Roman" panose="02020603050405020304" pitchFamily="18" charset="0"/>
+                      </a:endParaRPr>
+                    </a:p>
+                  </a:txBody>
+                  <a:tcPr marL="68580" marR="68580" marT="0" marB="0" anchor="ctr"/>
+                </a:tc>
+                <a:tc hMerge="1">
+                  <a:txBody>
+                    <a:bodyPr/>
+                    <a:lstStyle/>
+                    <a:p>
+                      <a:pPr latinLnBrk="1"/>
+                      <a:endParaRPr lang="ko-KR" altLang="en-US"/>
+                    </a:p>
+                  </a:txBody>
+                  <a:tcPr/>
+                </a:tc>
+                <a:tc hMerge="1">
+                  <a:txBody>
+                    <a:bodyPr/>
+                    <a:lstStyle/>
+                    <a:p>
+                      <a:pPr latinLnBrk="1"/>
+                      <a:endParaRPr lang="ko-KR" altLang="en-US"/>
+                    </a:p>
+                  </a:txBody>
+                  <a:tcPr/>
+                </a:tc>
+                <a:tc hMerge="1">
+                  <a:txBody>
+                    <a:bodyPr/>
+                    <a:lstStyle/>
+                    <a:p>
+                      <a:pPr latinLnBrk="1"/>
+                      <a:endParaRPr lang="ko-KR" altLang="en-US"/>
+                    </a:p>
+                  </a:txBody>
+                  <a:tcPr/>
+                </a:tc>
+                <a:extLst>
+                  <a:ext uri="{0D108BD9-81ED-4DB2-BD59-A6C34878D82A}">
+                    <a16:rowId xmlns:a16="http://schemas.microsoft.com/office/drawing/2014/main" val="2919215903"/>
+                  </a:ext>
+                </a:extLst>
+              </a:tr>
+              <a:tr h="293812">
+                <a:tc rowSpan="2">
+                  <a:txBody>
+                    <a:bodyPr/>
+                    <a:lstStyle/>
+                    <a:p>
+                      <a:pPr algn="ctr" latinLnBrk="0">
+                        <a:lnSpc>
+                          <a:spcPct val="130000"/>
+                        </a:lnSpc>
+                      </a:pPr>
+                      <a:r>
+                        <a:rPr lang="ko-KR" sz="1000" kern="100" spc="-50">
+                          <a:effectLst/>
+                          <a:latin typeface="나눔스퀘어" panose="020B0600000101010101" pitchFamily="50" charset="-127"/>
+                          <a:ea typeface="나눔스퀘어" panose="020B0600000101010101" pitchFamily="50" charset="-127"/>
+                        </a:rPr>
+                        <a:t>프로젝트 수행 방향</a:t>
+                      </a:r>
+                      <a:endParaRPr lang="ko-KR" sz="1000" kern="100">
+                        <a:effectLst/>
+                        <a:latin typeface="나눔스퀘어" panose="020B0600000101010101" pitchFamily="50" charset="-127"/>
+                        <a:ea typeface="나눔스퀘어" panose="020B0600000101010101" pitchFamily="50" charset="-127"/>
+                      </a:endParaRPr>
+                    </a:p>
+                    <a:p>
+                      <a:pPr algn="ctr" latinLnBrk="0">
+                        <a:lnSpc>
+                          <a:spcPct val="130000"/>
+                        </a:lnSpc>
+                      </a:pPr>
+                      <a:r>
+                        <a:rPr lang="en-US" sz="1000" kern="100" spc="-50">
+                          <a:effectLst/>
+                          <a:latin typeface="나눔스퀘어" panose="020B0600000101010101" pitchFamily="50" charset="-127"/>
+                          <a:ea typeface="나눔스퀘어" panose="020B0600000101010101" pitchFamily="50" charset="-127"/>
+                        </a:rPr>
+                        <a:t>(</a:t>
+                      </a:r>
+                      <a:r>
+                        <a:rPr lang="ko-KR" sz="1000" kern="100" spc="-50">
+                          <a:effectLst/>
+                          <a:latin typeface="나눔스퀘어" panose="020B0600000101010101" pitchFamily="50" charset="-127"/>
+                          <a:ea typeface="나눔스퀘어" panose="020B0600000101010101" pitchFamily="50" charset="-127"/>
+                        </a:rPr>
+                        <a:t>주요 기능 설명</a:t>
+                      </a:r>
+                      <a:r>
+                        <a:rPr lang="en-US" sz="1000" kern="100" spc="-50">
+                          <a:effectLst/>
+                          <a:latin typeface="나눔스퀘어" panose="020B0600000101010101" pitchFamily="50" charset="-127"/>
+                          <a:ea typeface="나눔스퀘어" panose="020B0600000101010101" pitchFamily="50" charset="-127"/>
+                        </a:rPr>
+                        <a:t>)</a:t>
+                      </a:r>
+                      <a:endParaRPr lang="ko-KR" sz="1000" kern="100">
+                        <a:effectLst/>
+                        <a:latin typeface="나눔스퀘어" panose="020B0600000101010101" pitchFamily="50" charset="-127"/>
+                        <a:ea typeface="나눔스퀘어" panose="020B0600000101010101" pitchFamily="50" charset="-127"/>
+                        <a:cs typeface="Times New Roman" panose="02020603050405020304" pitchFamily="18" charset="0"/>
+                      </a:endParaRPr>
+                    </a:p>
+                  </a:txBody>
+                  <a:tcPr marL="68580" marR="68580" marT="0" marB="0" anchor="ctr"/>
+                </a:tc>
+                <a:tc>
+                  <a:txBody>
+                    <a:bodyPr/>
+                    <a:lstStyle/>
+                    <a:p>
+                      <a:pPr algn="ctr" latinLnBrk="0">
+                        <a:lnSpc>
+                          <a:spcPct val="130000"/>
+                        </a:lnSpc>
+                      </a:pPr>
+                      <a:r>
+                        <a:rPr lang="ko-KR" sz="1000" kern="100" dirty="0">
+                          <a:effectLst/>
+                          <a:latin typeface="나눔스퀘어" panose="020B0600000101010101" pitchFamily="50" charset="-127"/>
+                          <a:ea typeface="나눔스퀘어" panose="020B0600000101010101" pitchFamily="50" charset="-127"/>
+                        </a:rPr>
+                        <a:t>빅데이터</a:t>
+                      </a:r>
+                      <a:endParaRPr lang="ko-KR" sz="1000" kern="100" dirty="0">
+                        <a:effectLst/>
+                        <a:latin typeface="나눔스퀘어" panose="020B0600000101010101" pitchFamily="50" charset="-127"/>
+                        <a:ea typeface="나눔스퀘어" panose="020B0600000101010101" pitchFamily="50" charset="-127"/>
+                        <a:cs typeface="Times New Roman" panose="02020603050405020304" pitchFamily="18" charset="0"/>
+                      </a:endParaRPr>
+                    </a:p>
+                  </a:txBody>
+                  <a:tcPr marL="68580" marR="68580" marT="0" marB="0" anchor="ctr"/>
+                </a:tc>
+                <a:tc>
+                  <a:txBody>
+                    <a:bodyPr/>
+                    <a:lstStyle/>
+                    <a:p>
+                      <a:pPr algn="ctr" latinLnBrk="0">
+                        <a:lnSpc>
+                          <a:spcPct val="130000"/>
+                        </a:lnSpc>
+                      </a:pPr>
+                      <a:r>
+                        <a:rPr lang="en-US" sz="1000" kern="100">
+                          <a:effectLst/>
+                          <a:latin typeface="나눔스퀘어" panose="020B0600000101010101" pitchFamily="50" charset="-127"/>
+                          <a:ea typeface="나눔스퀘어" panose="020B0600000101010101" pitchFamily="50" charset="-127"/>
+                        </a:rPr>
+                        <a:t>AI</a:t>
+                      </a:r>
+                      <a:endParaRPr lang="ko-KR" sz="1000" kern="100">
+                        <a:effectLst/>
+                        <a:latin typeface="나눔스퀘어" panose="020B0600000101010101" pitchFamily="50" charset="-127"/>
+                        <a:ea typeface="나눔스퀘어" panose="020B0600000101010101" pitchFamily="50" charset="-127"/>
+                        <a:cs typeface="Times New Roman" panose="02020603050405020304" pitchFamily="18" charset="0"/>
+                      </a:endParaRPr>
+                    </a:p>
+                  </a:txBody>
+                  <a:tcPr marL="68580" marR="68580" marT="0" marB="0" anchor="ctr"/>
+                </a:tc>
+                <a:tc>
+                  <a:txBody>
+                    <a:bodyPr/>
+                    <a:lstStyle/>
+                    <a:p>
+                      <a:pPr algn="ctr" latinLnBrk="0">
+                        <a:lnSpc>
+                          <a:spcPct val="130000"/>
+                        </a:lnSpc>
+                      </a:pPr>
+                      <a:r>
+                        <a:rPr lang="en-US" sz="1000" kern="100">
+                          <a:effectLst/>
+                          <a:latin typeface="나눔스퀘어" panose="020B0600000101010101" pitchFamily="50" charset="-127"/>
+                          <a:ea typeface="나눔스퀘어" panose="020B0600000101010101" pitchFamily="50" charset="-127"/>
+                        </a:rPr>
+                        <a:t>IoT</a:t>
+                      </a:r>
+                      <a:endParaRPr lang="ko-KR" sz="1000" kern="100">
+                        <a:effectLst/>
+                        <a:latin typeface="나눔스퀘어" panose="020B0600000101010101" pitchFamily="50" charset="-127"/>
+                        <a:ea typeface="나눔스퀘어" panose="020B0600000101010101" pitchFamily="50" charset="-127"/>
+                        <a:cs typeface="Times New Roman" panose="02020603050405020304" pitchFamily="18" charset="0"/>
+                      </a:endParaRPr>
+                    </a:p>
+                  </a:txBody>
+                  <a:tcPr marL="68580" marR="68580" marT="0" marB="0" anchor="ctr"/>
+                </a:tc>
+                <a:tc>
+                  <a:txBody>
+                    <a:bodyPr/>
+                    <a:lstStyle/>
+                    <a:p>
+                      <a:pPr algn="ctr" latinLnBrk="0">
+                        <a:lnSpc>
+                          <a:spcPct val="130000"/>
+                        </a:lnSpc>
+                      </a:pPr>
+                      <a:r>
+                        <a:rPr lang="ko-KR" sz="1000" kern="100">
+                          <a:effectLst/>
+                          <a:latin typeface="나눔스퀘어" panose="020B0600000101010101" pitchFamily="50" charset="-127"/>
+                          <a:ea typeface="나눔스퀘어" panose="020B0600000101010101" pitchFamily="50" charset="-127"/>
+                        </a:rPr>
+                        <a:t>클라우드</a:t>
+                      </a:r>
+                      <a:endParaRPr lang="ko-KR" sz="1000" kern="100">
+                        <a:effectLst/>
+                        <a:latin typeface="나눔스퀘어" panose="020B0600000101010101" pitchFamily="50" charset="-127"/>
+                        <a:ea typeface="나눔스퀘어" panose="020B0600000101010101" pitchFamily="50" charset="-127"/>
+                        <a:cs typeface="Times New Roman" panose="02020603050405020304" pitchFamily="18" charset="0"/>
+                      </a:endParaRPr>
+                    </a:p>
+                  </a:txBody>
+                  <a:tcPr marL="68580" marR="68580" marT="0" marB="0" anchor="ctr"/>
+                </a:tc>
+                <a:extLst>
+                  <a:ext uri="{0D108BD9-81ED-4DB2-BD59-A6C34878D82A}">
+                    <a16:rowId xmlns:a16="http://schemas.microsoft.com/office/drawing/2014/main" val="1693360872"/>
+                  </a:ext>
+                </a:extLst>
+              </a:tr>
+              <a:tr h="1850653">
+                <a:tc vMerge="1">
+                  <a:txBody>
+                    <a:bodyPr/>
+                    <a:lstStyle/>
+                    <a:p>
+                      <a:pPr latinLnBrk="1"/>
+                      <a:endParaRPr lang="ko-KR" altLang="en-US"/>
+                    </a:p>
+                  </a:txBody>
+                  <a:tcPr/>
+                </a:tc>
+                <a:tc>
+                  <a:txBody>
+                    <a:bodyPr/>
+                    <a:lstStyle/>
+                    <a:p>
+                      <a:pPr marL="171450" indent="-171450" algn="l" latinLnBrk="0">
+                        <a:lnSpc>
+                          <a:spcPct val="130000"/>
+                        </a:lnSpc>
+                        <a:buFont typeface="Arial" panose="020B0604020202020204" pitchFamily="34" charset="0"/>
+                        <a:buChar char="•"/>
+                      </a:pPr>
+                      <a:r>
+                        <a:rPr lang="ko-KR" sz="1000" kern="100" dirty="0">
+                          <a:effectLst/>
+                          <a:latin typeface="나눔스퀘어" panose="020B0600000101010101" pitchFamily="50" charset="-127"/>
+                          <a:ea typeface="나눔스퀘어" panose="020B0600000101010101" pitchFamily="50" charset="-127"/>
+                        </a:rPr>
+                        <a:t>프로젝트 근거 마련</a:t>
+                      </a:r>
+                      <a:r>
+                        <a:rPr lang="en-US" sz="1000" kern="100" dirty="0">
+                          <a:effectLst/>
+                          <a:latin typeface="나눔스퀘어" panose="020B0600000101010101" pitchFamily="50" charset="-127"/>
+                          <a:ea typeface="나눔스퀘어" panose="020B0600000101010101" pitchFamily="50" charset="-127"/>
+                        </a:rPr>
+                        <a:t>(</a:t>
+                      </a:r>
+                      <a:r>
+                        <a:rPr lang="ko-KR" sz="1000" kern="100" dirty="0" err="1">
+                          <a:effectLst/>
+                          <a:latin typeface="나눔스퀘어" panose="020B0600000101010101" pitchFamily="50" charset="-127"/>
+                          <a:ea typeface="나눔스퀘어" panose="020B0600000101010101" pitchFamily="50" charset="-127"/>
+                        </a:rPr>
+                        <a:t>크롤링</a:t>
+                      </a:r>
+                      <a:r>
+                        <a:rPr lang="ko-KR" sz="1000" kern="100" dirty="0">
+                          <a:effectLst/>
+                          <a:latin typeface="나눔스퀘어" panose="020B0600000101010101" pitchFamily="50" charset="-127"/>
+                          <a:ea typeface="나눔스퀘어" panose="020B0600000101010101" pitchFamily="50" charset="-127"/>
+                        </a:rPr>
+                        <a:t> 및 연관분석</a:t>
+                      </a:r>
+                      <a:r>
+                        <a:rPr lang="en-US" sz="1000" kern="100" dirty="0">
+                          <a:effectLst/>
+                          <a:latin typeface="나눔스퀘어" panose="020B0600000101010101" pitchFamily="50" charset="-127"/>
+                          <a:ea typeface="나눔스퀘어" panose="020B0600000101010101" pitchFamily="50" charset="-127"/>
+                        </a:rPr>
+                        <a:t>)</a:t>
+                      </a:r>
+                      <a:endParaRPr lang="ko-KR" sz="1000" kern="100" dirty="0">
+                        <a:effectLst/>
+                        <a:latin typeface="나눔스퀘어" panose="020B0600000101010101" pitchFamily="50" charset="-127"/>
+                        <a:ea typeface="나눔스퀘어" panose="020B0600000101010101" pitchFamily="50" charset="-127"/>
+                      </a:endParaRPr>
+                    </a:p>
+                    <a:p>
+                      <a:pPr marL="171450" indent="-171450" algn="l" latinLnBrk="0">
+                        <a:lnSpc>
+                          <a:spcPct val="130000"/>
+                        </a:lnSpc>
+                        <a:buFont typeface="Arial" panose="020B0604020202020204" pitchFamily="34" charset="0"/>
+                        <a:buChar char="•"/>
+                      </a:pPr>
+                      <a:r>
+                        <a:rPr lang="ko-KR" sz="1000" kern="100" dirty="0">
+                          <a:effectLst/>
+                          <a:latin typeface="나눔스퀘어" panose="020B0600000101010101" pitchFamily="50" charset="-127"/>
+                          <a:ea typeface="나눔스퀘어" panose="020B0600000101010101" pitchFamily="50" charset="-127"/>
+                        </a:rPr>
+                        <a:t>배달 관련 데이터분석</a:t>
+                      </a:r>
+                    </a:p>
+                    <a:p>
+                      <a:pPr marL="171450" indent="-171450" algn="l" latinLnBrk="0">
+                        <a:lnSpc>
+                          <a:spcPct val="130000"/>
+                        </a:lnSpc>
+                        <a:buFont typeface="Arial" panose="020B0604020202020204" pitchFamily="34" charset="0"/>
+                        <a:buChar char="•"/>
+                      </a:pPr>
+                      <a:r>
+                        <a:rPr lang="ko-KR" sz="1000" kern="100" dirty="0">
+                          <a:effectLst/>
+                          <a:latin typeface="나눔스퀘어" panose="020B0600000101010101" pitchFamily="50" charset="-127"/>
+                          <a:ea typeface="나눔스퀘어" panose="020B0600000101010101" pitchFamily="50" charset="-127"/>
+                        </a:rPr>
+                        <a:t>사고와 보호장구 연관성 분석</a:t>
+                      </a:r>
+                    </a:p>
+                    <a:p>
+                      <a:pPr marL="171450" indent="-171450" algn="l" latinLnBrk="0">
+                        <a:lnSpc>
+                          <a:spcPct val="130000"/>
+                        </a:lnSpc>
+                        <a:buFont typeface="Arial" panose="020B0604020202020204" pitchFamily="34" charset="0"/>
+                        <a:buChar char="•"/>
+                      </a:pPr>
+                      <a:r>
+                        <a:rPr lang="ko-KR" sz="1000" kern="100" dirty="0">
+                          <a:effectLst/>
+                          <a:latin typeface="나눔스퀘어" panose="020B0600000101010101" pitchFamily="50" charset="-127"/>
+                          <a:ea typeface="나눔스퀘어" panose="020B0600000101010101" pitchFamily="50" charset="-127"/>
+                        </a:rPr>
+                        <a:t>보험과 흔들림 데이터 분석 조사 및 설계</a:t>
+                      </a:r>
+                      <a:endParaRPr lang="ko-KR" sz="1000" kern="100" dirty="0">
+                        <a:effectLst/>
+                        <a:latin typeface="나눔스퀘어" panose="020B0600000101010101" pitchFamily="50" charset="-127"/>
+                        <a:ea typeface="나눔스퀘어" panose="020B0600000101010101" pitchFamily="50" charset="-127"/>
+                        <a:cs typeface="Times New Roman" panose="02020603050405020304" pitchFamily="18" charset="0"/>
+                      </a:endParaRPr>
+                    </a:p>
+                  </a:txBody>
+                  <a:tcPr marL="68580" marR="68580" marT="0" marB="0" anchor="ctr"/>
+                </a:tc>
+                <a:tc>
+                  <a:txBody>
+                    <a:bodyPr/>
+                    <a:lstStyle/>
+                    <a:p>
+                      <a:pPr marL="342900" lvl="0" indent="-342900" algn="l" latinLnBrk="0">
+                        <a:lnSpc>
+                          <a:spcPct val="130000"/>
+                        </a:lnSpc>
+                        <a:buFont typeface="+mj-lt"/>
+                        <a:buAutoNum type="arabicPeriod"/>
+                      </a:pPr>
+                      <a:r>
+                        <a:rPr lang="en-US" sz="1000" kern="100" dirty="0">
+                          <a:effectLst/>
+                          <a:latin typeface="나눔스퀘어" panose="020B0600000101010101" pitchFamily="50" charset="-127"/>
+                          <a:ea typeface="나눔스퀘어" panose="020B0600000101010101" pitchFamily="50" charset="-127"/>
+                        </a:rPr>
+                        <a:t>STT API, TTS API</a:t>
+                      </a:r>
+                      <a:r>
+                        <a:rPr lang="ko-KR" sz="1000" kern="100" dirty="0">
+                          <a:effectLst/>
+                          <a:latin typeface="나눔스퀘어" panose="020B0600000101010101" pitchFamily="50" charset="-127"/>
+                          <a:ea typeface="나눔스퀘어" panose="020B0600000101010101" pitchFamily="50" charset="-127"/>
+                        </a:rPr>
+                        <a:t>를 이용</a:t>
+                      </a:r>
+                    </a:p>
+                    <a:p>
+                      <a:pPr marL="342900" lvl="0" indent="-342900" algn="l" latinLnBrk="0">
+                        <a:lnSpc>
+                          <a:spcPct val="130000"/>
+                        </a:lnSpc>
+                        <a:buFont typeface="+mj-lt"/>
+                        <a:buAutoNum type="arabicPeriod"/>
+                      </a:pPr>
+                      <a:r>
+                        <a:rPr lang="ko-KR" sz="1000" kern="100" dirty="0">
+                          <a:effectLst/>
+                          <a:latin typeface="나눔스퀘어" panose="020B0600000101010101" pitchFamily="50" charset="-127"/>
+                          <a:ea typeface="나눔스퀘어" panose="020B0600000101010101" pitchFamily="50" charset="-127"/>
+                        </a:rPr>
+                        <a:t>부분 대화형 </a:t>
+                      </a:r>
+                      <a:r>
+                        <a:rPr lang="ko-KR" sz="1000" kern="100" dirty="0" err="1">
+                          <a:effectLst/>
+                          <a:latin typeface="나눔스퀘어" panose="020B0600000101010101" pitchFamily="50" charset="-127"/>
+                          <a:ea typeface="나눔스퀘어" panose="020B0600000101010101" pitchFamily="50" charset="-127"/>
+                        </a:rPr>
+                        <a:t>챗봇</a:t>
+                      </a:r>
+                      <a:r>
+                        <a:rPr lang="ko-KR" sz="1000" kern="100" dirty="0">
+                          <a:effectLst/>
+                          <a:latin typeface="나눔스퀘어" panose="020B0600000101010101" pitchFamily="50" charset="-127"/>
+                          <a:ea typeface="나눔스퀘어" panose="020B0600000101010101" pitchFamily="50" charset="-127"/>
+                        </a:rPr>
+                        <a:t> 모델 개발</a:t>
+                      </a:r>
+                    </a:p>
+                    <a:p>
+                      <a:pPr algn="l" latinLnBrk="0">
+                        <a:lnSpc>
+                          <a:spcPct val="130000"/>
+                        </a:lnSpc>
+                      </a:pPr>
+                      <a:r>
+                        <a:rPr lang="ko-KR" sz="1000" kern="100" dirty="0">
+                          <a:effectLst/>
+                          <a:latin typeface="나눔스퀘어" panose="020B0600000101010101" pitchFamily="50" charset="-127"/>
+                          <a:ea typeface="나눔스퀘어" panose="020B0600000101010101" pitchFamily="50" charset="-127"/>
+                        </a:rPr>
+                        <a:t>사용자의 </a:t>
+                      </a:r>
+                      <a:r>
+                        <a:rPr lang="en-US" sz="1000" kern="100" dirty="0">
+                          <a:effectLst/>
+                          <a:latin typeface="나눔스퀘어" panose="020B0600000101010101" pitchFamily="50" charset="-127"/>
+                          <a:ea typeface="나눔스퀘어" panose="020B0600000101010101" pitchFamily="50" charset="-127"/>
+                        </a:rPr>
+                        <a:t>intent</a:t>
+                      </a:r>
+                      <a:r>
+                        <a:rPr lang="ko-KR" sz="1000" kern="100" dirty="0">
+                          <a:effectLst/>
+                          <a:latin typeface="나눔스퀘어" panose="020B0600000101010101" pitchFamily="50" charset="-127"/>
+                          <a:ea typeface="나눔스퀘어" panose="020B0600000101010101" pitchFamily="50" charset="-127"/>
+                        </a:rPr>
+                        <a:t>를 파악하고 적절한 답변과 처리를 해주는 모델</a:t>
+                      </a:r>
+                    </a:p>
+                    <a:p>
+                      <a:pPr algn="l" latinLnBrk="0">
+                        <a:lnSpc>
+                          <a:spcPct val="130000"/>
+                        </a:lnSpc>
+                      </a:pPr>
+                      <a:r>
+                        <a:rPr lang="en-US" sz="1000" kern="100" dirty="0">
+                          <a:effectLst/>
+                          <a:latin typeface="나눔스퀘어" panose="020B0600000101010101" pitchFamily="50" charset="-127"/>
+                          <a:ea typeface="나눔스퀘어" panose="020B0600000101010101" pitchFamily="50" charset="-127"/>
+                        </a:rPr>
+                        <a:t> </a:t>
+                      </a:r>
+                      <a:endParaRPr lang="ko-KR" sz="1000" kern="100" dirty="0">
+                        <a:effectLst/>
+                        <a:latin typeface="나눔스퀘어" panose="020B0600000101010101" pitchFamily="50" charset="-127"/>
+                        <a:ea typeface="나눔스퀘어" panose="020B0600000101010101" pitchFamily="50" charset="-127"/>
+                        <a:cs typeface="Times New Roman" panose="02020603050405020304" pitchFamily="18" charset="0"/>
+                      </a:endParaRPr>
+                    </a:p>
+                  </a:txBody>
+                  <a:tcPr marL="68580" marR="68580" marT="0" marB="0" anchor="ctr"/>
+                </a:tc>
+                <a:tc>
+                  <a:txBody>
+                    <a:bodyPr/>
+                    <a:lstStyle/>
+                    <a:p>
+                      <a:pPr marL="171450" indent="-171450" algn="l" latinLnBrk="0">
+                        <a:lnSpc>
+                          <a:spcPct val="130000"/>
+                        </a:lnSpc>
+                        <a:buFont typeface="Arial" panose="020B0604020202020204" pitchFamily="34" charset="0"/>
+                        <a:buChar char="•"/>
+                      </a:pPr>
+                      <a:r>
+                        <a:rPr lang="ko-KR" sz="1000" kern="100" dirty="0">
+                          <a:effectLst/>
+                          <a:latin typeface="나눔스퀘어" panose="020B0600000101010101" pitchFamily="50" charset="-127"/>
+                          <a:ea typeface="나눔스퀘어" panose="020B0600000101010101" pitchFamily="50" charset="-127"/>
+                        </a:rPr>
+                        <a:t>음성 인식을 통해 조작 가능하며 </a:t>
+                      </a:r>
+                      <a:r>
+                        <a:rPr lang="ko-KR" sz="1000" kern="100" dirty="0" err="1">
+                          <a:effectLst/>
+                          <a:latin typeface="나눔스퀘어" panose="020B0600000101010101" pitchFamily="50" charset="-127"/>
+                          <a:ea typeface="나눔스퀘어" panose="020B0600000101010101" pitchFamily="50" charset="-127"/>
+                        </a:rPr>
+                        <a:t>아두이노의</a:t>
+                      </a:r>
+                      <a:r>
+                        <a:rPr lang="ko-KR" sz="1000" kern="100" dirty="0">
+                          <a:effectLst/>
+                          <a:latin typeface="나눔스퀘어" panose="020B0600000101010101" pitchFamily="50" charset="-127"/>
+                          <a:ea typeface="나눔스퀘어" panose="020B0600000101010101" pitchFamily="50" charset="-127"/>
+                        </a:rPr>
+                        <a:t> 진동감지 센서를 이용해 일정 수치 이상으로 흔들릴 경우 사용자에게 음성으로 알려줄 수 있는 어플리케이션 개발</a:t>
+                      </a:r>
+                      <a:endParaRPr lang="ko-KR" sz="1000" kern="100" dirty="0">
+                        <a:effectLst/>
+                        <a:latin typeface="나눔스퀘어" panose="020B0600000101010101" pitchFamily="50" charset="-127"/>
+                        <a:ea typeface="나눔스퀘어" panose="020B0600000101010101" pitchFamily="50" charset="-127"/>
+                        <a:cs typeface="Times New Roman" panose="02020603050405020304" pitchFamily="18" charset="0"/>
+                      </a:endParaRPr>
+                    </a:p>
+                  </a:txBody>
+                  <a:tcPr marL="68580" marR="68580" marT="0" marB="0" anchor="ctr"/>
+                </a:tc>
+                <a:tc>
+                  <a:txBody>
+                    <a:bodyPr/>
+                    <a:lstStyle/>
+                    <a:p>
+                      <a:pPr marL="171450" indent="-171450" algn="l" latinLnBrk="0">
+                        <a:lnSpc>
+                          <a:spcPct val="130000"/>
+                        </a:lnSpc>
+                        <a:buFont typeface="Arial" panose="020B0604020202020204" pitchFamily="34" charset="0"/>
+                        <a:buChar char="•"/>
+                      </a:pPr>
+                      <a:r>
+                        <a:rPr lang="ko-KR" sz="1000" kern="100" dirty="0">
+                          <a:effectLst/>
+                          <a:latin typeface="나눔스퀘어" panose="020B0600000101010101" pitchFamily="50" charset="-127"/>
+                          <a:ea typeface="나눔스퀘어" panose="020B0600000101010101" pitchFamily="50" charset="-127"/>
+                        </a:rPr>
+                        <a:t>각 서비스에 대한</a:t>
+                      </a:r>
+                      <a:r>
+                        <a:rPr lang="en-US" sz="1000" kern="100" dirty="0" err="1">
+                          <a:effectLst/>
+                          <a:latin typeface="나눔스퀘어" panose="020B0600000101010101" pitchFamily="50" charset="-127"/>
+                          <a:ea typeface="나눔스퀘어" panose="020B0600000101010101" pitchFamily="50" charset="-127"/>
+                        </a:rPr>
+                        <a:t>DataBase</a:t>
+                      </a:r>
+                      <a:r>
+                        <a:rPr lang="en-US" sz="1000" kern="100" dirty="0">
+                          <a:effectLst/>
+                          <a:latin typeface="나눔스퀘어" panose="020B0600000101010101" pitchFamily="50" charset="-127"/>
+                          <a:ea typeface="나눔스퀘어" panose="020B0600000101010101" pitchFamily="50" charset="-127"/>
+                        </a:rPr>
+                        <a:t> </a:t>
+                      </a:r>
+                      <a:r>
+                        <a:rPr lang="ko-KR" sz="1000" kern="100" dirty="0">
+                          <a:effectLst/>
+                          <a:latin typeface="나눔스퀘어" panose="020B0600000101010101" pitchFamily="50" charset="-127"/>
+                          <a:ea typeface="나눔스퀘어" panose="020B0600000101010101" pitchFamily="50" charset="-127"/>
+                        </a:rPr>
+                        <a:t>설계</a:t>
+                      </a:r>
+                    </a:p>
+                    <a:p>
+                      <a:pPr marL="171450" indent="-171450" algn="l" latinLnBrk="0">
+                        <a:lnSpc>
+                          <a:spcPct val="130000"/>
+                        </a:lnSpc>
+                        <a:buFont typeface="Arial" panose="020B0604020202020204" pitchFamily="34" charset="0"/>
+                        <a:buChar char="•"/>
+                      </a:pPr>
+                      <a:r>
+                        <a:rPr lang="en-US" sz="1000" kern="100" dirty="0">
+                          <a:effectLst/>
+                          <a:latin typeface="나눔스퀘어" panose="020B0600000101010101" pitchFamily="50" charset="-127"/>
+                          <a:ea typeface="나눔스퀘어" panose="020B0600000101010101" pitchFamily="50" charset="-127"/>
+                        </a:rPr>
+                        <a:t>RESTful API </a:t>
+                      </a:r>
+                      <a:r>
+                        <a:rPr lang="ko-KR" sz="1000" kern="100" dirty="0">
+                          <a:effectLst/>
+                          <a:latin typeface="나눔스퀘어" panose="020B0600000101010101" pitchFamily="50" charset="-127"/>
+                          <a:ea typeface="나눔스퀘어" panose="020B0600000101010101" pitchFamily="50" charset="-127"/>
+                        </a:rPr>
+                        <a:t>개발을 통한 기능 별 </a:t>
+                      </a:r>
+                      <a:r>
+                        <a:rPr lang="ko-KR" sz="1000" kern="100" dirty="0" err="1">
+                          <a:effectLst/>
+                          <a:latin typeface="나눔스퀘어" panose="020B0600000101010101" pitchFamily="50" charset="-127"/>
+                          <a:ea typeface="나눔스퀘어" panose="020B0600000101010101" pitchFamily="50" charset="-127"/>
+                        </a:rPr>
+                        <a:t>엔드포인트</a:t>
+                      </a:r>
+                      <a:r>
+                        <a:rPr lang="ko-KR" sz="1000" kern="100" dirty="0">
+                          <a:effectLst/>
+                          <a:latin typeface="나눔스퀘어" panose="020B0600000101010101" pitchFamily="50" charset="-127"/>
+                          <a:ea typeface="나눔스퀘어" panose="020B0600000101010101" pitchFamily="50" charset="-127"/>
+                        </a:rPr>
+                        <a:t> 제공</a:t>
+                      </a:r>
+                    </a:p>
+                    <a:p>
+                      <a:pPr marL="171450" indent="-171450" algn="l" latinLnBrk="0">
+                        <a:lnSpc>
+                          <a:spcPct val="130000"/>
+                        </a:lnSpc>
+                        <a:buFont typeface="Arial" panose="020B0604020202020204" pitchFamily="34" charset="0"/>
+                        <a:buChar char="•"/>
+                      </a:pPr>
+                      <a:r>
+                        <a:rPr lang="en-US" sz="1000" kern="100" dirty="0">
+                          <a:effectLst/>
+                          <a:latin typeface="나눔스퀘어" panose="020B0600000101010101" pitchFamily="50" charset="-127"/>
+                          <a:ea typeface="나눔스퀘어" panose="020B0600000101010101" pitchFamily="50" charset="-127"/>
+                        </a:rPr>
+                        <a:t>CI/CD </a:t>
+                      </a:r>
+                      <a:r>
+                        <a:rPr lang="ko-KR" sz="1000" kern="100" dirty="0">
+                          <a:effectLst/>
+                          <a:latin typeface="나눔스퀘어" panose="020B0600000101010101" pitchFamily="50" charset="-127"/>
+                          <a:ea typeface="나눔스퀘어" panose="020B0600000101010101" pitchFamily="50" charset="-127"/>
+                        </a:rPr>
+                        <a:t>서비스를 이용한 자동화 시스템 구축</a:t>
+                      </a:r>
+                    </a:p>
+                    <a:p>
+                      <a:pPr marL="171450" indent="-171450" algn="l" latinLnBrk="0">
+                        <a:lnSpc>
+                          <a:spcPct val="130000"/>
+                        </a:lnSpc>
+                        <a:buFont typeface="Arial" panose="020B0604020202020204" pitchFamily="34" charset="0"/>
+                        <a:buChar char="•"/>
+                      </a:pPr>
+                      <a:r>
+                        <a:rPr lang="ko-KR" sz="1000" kern="100" dirty="0">
+                          <a:effectLst/>
+                          <a:latin typeface="나눔스퀘어" panose="020B0600000101010101" pitchFamily="50" charset="-127"/>
+                          <a:ea typeface="나눔스퀘어" panose="020B0600000101010101" pitchFamily="50" charset="-127"/>
+                        </a:rPr>
+                        <a:t>필요에 따른 서버 모니터링 페이지 제작</a:t>
+                      </a:r>
+                      <a:endParaRPr lang="ko-KR" sz="1000" kern="100" dirty="0">
+                        <a:effectLst/>
+                        <a:latin typeface="나눔스퀘어" panose="020B0600000101010101" pitchFamily="50" charset="-127"/>
+                        <a:ea typeface="나눔스퀘어" panose="020B0600000101010101" pitchFamily="50" charset="-127"/>
+                        <a:cs typeface="Times New Roman" panose="02020603050405020304" pitchFamily="18" charset="0"/>
+                      </a:endParaRPr>
+                    </a:p>
+                  </a:txBody>
+                  <a:tcPr marL="68580" marR="68580" marT="0" marB="0" anchor="ctr"/>
+                </a:tc>
+                <a:extLst>
+                  <a:ext uri="{0D108BD9-81ED-4DB2-BD59-A6C34878D82A}">
+                    <a16:rowId xmlns:a16="http://schemas.microsoft.com/office/drawing/2014/main" val="3791711816"/>
+                  </a:ext>
+                </a:extLst>
+              </a:tr>
+              <a:tr h="261891">
+                <a:tc rowSpan="2">
+                  <a:txBody>
+                    <a:bodyPr/>
+                    <a:lstStyle/>
+                    <a:p>
+                      <a:pPr algn="ctr" latinLnBrk="0">
+                        <a:lnSpc>
+                          <a:spcPct val="130000"/>
+                        </a:lnSpc>
+                      </a:pPr>
+                      <a:r>
+                        <a:rPr lang="ko-KR" sz="1000" kern="100" spc="-50">
+                          <a:effectLst/>
+                          <a:latin typeface="나눔스퀘어" panose="020B0600000101010101" pitchFamily="50" charset="-127"/>
+                          <a:ea typeface="나눔스퀘어" panose="020B0600000101010101" pitchFamily="50" charset="-127"/>
+                        </a:rPr>
+                        <a:t>프로젝트 수행 도구</a:t>
+                      </a:r>
+                      <a:endParaRPr lang="ko-KR" sz="1000" kern="100">
+                        <a:effectLst/>
+                        <a:latin typeface="나눔스퀘어" panose="020B0600000101010101" pitchFamily="50" charset="-127"/>
+                        <a:ea typeface="나눔스퀘어" panose="020B0600000101010101" pitchFamily="50" charset="-127"/>
+                        <a:cs typeface="Times New Roman" panose="02020603050405020304" pitchFamily="18" charset="0"/>
+                      </a:endParaRPr>
+                    </a:p>
+                  </a:txBody>
+                  <a:tcPr marL="68580" marR="68580" marT="0" marB="0" anchor="ctr"/>
+                </a:tc>
+                <a:tc>
+                  <a:txBody>
+                    <a:bodyPr/>
+                    <a:lstStyle/>
+                    <a:p>
+                      <a:pPr algn="ctr" latinLnBrk="0">
+                        <a:lnSpc>
+                          <a:spcPct val="130000"/>
+                        </a:lnSpc>
+                      </a:pPr>
+                      <a:r>
+                        <a:rPr lang="ko-KR" sz="1000" kern="100">
+                          <a:effectLst/>
+                          <a:latin typeface="나눔스퀘어" panose="020B0600000101010101" pitchFamily="50" charset="-127"/>
+                          <a:ea typeface="나눔스퀘어" panose="020B0600000101010101" pitchFamily="50" charset="-127"/>
+                        </a:rPr>
+                        <a:t>빅데이터</a:t>
+                      </a:r>
+                      <a:endParaRPr lang="ko-KR" sz="1000" kern="100">
+                        <a:effectLst/>
+                        <a:latin typeface="나눔스퀘어" panose="020B0600000101010101" pitchFamily="50" charset="-127"/>
+                        <a:ea typeface="나눔스퀘어" panose="020B0600000101010101" pitchFamily="50" charset="-127"/>
+                        <a:cs typeface="Times New Roman" panose="02020603050405020304" pitchFamily="18" charset="0"/>
+                      </a:endParaRPr>
+                    </a:p>
+                  </a:txBody>
+                  <a:tcPr marL="68580" marR="68580" marT="0" marB="0" anchor="ctr"/>
+                </a:tc>
+                <a:tc>
+                  <a:txBody>
+                    <a:bodyPr/>
+                    <a:lstStyle/>
+                    <a:p>
+                      <a:pPr algn="ctr" latinLnBrk="0">
+                        <a:lnSpc>
+                          <a:spcPct val="130000"/>
+                        </a:lnSpc>
+                      </a:pPr>
+                      <a:r>
+                        <a:rPr lang="en-US" sz="1000" kern="100">
+                          <a:effectLst/>
+                          <a:latin typeface="나눔스퀘어" panose="020B0600000101010101" pitchFamily="50" charset="-127"/>
+                          <a:ea typeface="나눔스퀘어" panose="020B0600000101010101" pitchFamily="50" charset="-127"/>
+                        </a:rPr>
+                        <a:t>AI</a:t>
+                      </a:r>
+                      <a:endParaRPr lang="ko-KR" sz="1000" kern="100">
+                        <a:effectLst/>
+                        <a:latin typeface="나눔스퀘어" panose="020B0600000101010101" pitchFamily="50" charset="-127"/>
+                        <a:ea typeface="나눔스퀘어" panose="020B0600000101010101" pitchFamily="50" charset="-127"/>
+                        <a:cs typeface="Times New Roman" panose="02020603050405020304" pitchFamily="18" charset="0"/>
+                      </a:endParaRPr>
+                    </a:p>
+                  </a:txBody>
+                  <a:tcPr marL="68580" marR="68580" marT="0" marB="0" anchor="ctr"/>
+                </a:tc>
+                <a:tc>
+                  <a:txBody>
+                    <a:bodyPr/>
+                    <a:lstStyle/>
+                    <a:p>
+                      <a:pPr algn="ctr" latinLnBrk="0">
+                        <a:lnSpc>
+                          <a:spcPct val="130000"/>
+                        </a:lnSpc>
+                      </a:pPr>
+                      <a:r>
+                        <a:rPr lang="en-US" sz="1000" kern="100" dirty="0">
+                          <a:effectLst/>
+                          <a:latin typeface="나눔스퀘어" panose="020B0600000101010101" pitchFamily="50" charset="-127"/>
+                          <a:ea typeface="나눔스퀘어" panose="020B0600000101010101" pitchFamily="50" charset="-127"/>
+                        </a:rPr>
+                        <a:t>IoT</a:t>
+                      </a:r>
+                      <a:endParaRPr lang="ko-KR" sz="1000" kern="100" dirty="0">
+                        <a:effectLst/>
+                        <a:latin typeface="나눔스퀘어" panose="020B0600000101010101" pitchFamily="50" charset="-127"/>
+                        <a:ea typeface="나눔스퀘어" panose="020B0600000101010101" pitchFamily="50" charset="-127"/>
+                        <a:cs typeface="Times New Roman" panose="02020603050405020304" pitchFamily="18" charset="0"/>
+                      </a:endParaRPr>
+                    </a:p>
+                  </a:txBody>
+                  <a:tcPr marL="68580" marR="68580" marT="0" marB="0" anchor="ctr"/>
+                </a:tc>
+                <a:tc>
+                  <a:txBody>
+                    <a:bodyPr/>
+                    <a:lstStyle/>
+                    <a:p>
+                      <a:pPr algn="ctr" latinLnBrk="0">
+                        <a:lnSpc>
+                          <a:spcPct val="130000"/>
+                        </a:lnSpc>
+                      </a:pPr>
+                      <a:r>
+                        <a:rPr lang="ko-KR" sz="1000" kern="100" dirty="0">
+                          <a:effectLst/>
+                          <a:latin typeface="나눔스퀘어" panose="020B0600000101010101" pitchFamily="50" charset="-127"/>
+                          <a:ea typeface="나눔스퀘어" panose="020B0600000101010101" pitchFamily="50" charset="-127"/>
+                        </a:rPr>
+                        <a:t>클라우드</a:t>
+                      </a:r>
+                      <a:endParaRPr lang="ko-KR" sz="1000" kern="100" dirty="0">
+                        <a:effectLst/>
+                        <a:latin typeface="나눔스퀘어" panose="020B0600000101010101" pitchFamily="50" charset="-127"/>
+                        <a:ea typeface="나눔스퀘어" panose="020B0600000101010101" pitchFamily="50" charset="-127"/>
+                        <a:cs typeface="Times New Roman" panose="02020603050405020304" pitchFamily="18" charset="0"/>
+                      </a:endParaRPr>
+                    </a:p>
+                  </a:txBody>
+                  <a:tcPr marL="68580" marR="68580" marT="0" marB="0" anchor="ctr"/>
+                </a:tc>
+                <a:extLst>
+                  <a:ext uri="{0D108BD9-81ED-4DB2-BD59-A6C34878D82A}">
+                    <a16:rowId xmlns:a16="http://schemas.microsoft.com/office/drawing/2014/main" val="3388144531"/>
+                  </a:ext>
+                </a:extLst>
+              </a:tr>
+              <a:tr h="1572076">
+                <a:tc vMerge="1">
+                  <a:txBody>
+                    <a:bodyPr/>
+                    <a:lstStyle/>
+                    <a:p>
+                      <a:pPr latinLnBrk="1"/>
+                      <a:endParaRPr lang="ko-KR" altLang="en-US"/>
+                    </a:p>
+                  </a:txBody>
+                  <a:tcPr/>
+                </a:tc>
+                <a:tc>
+                  <a:txBody>
+                    <a:bodyPr/>
+                    <a:lstStyle/>
+                    <a:p>
+                      <a:pPr marL="171450" indent="-171450" algn="just">
+                        <a:lnSpc>
+                          <a:spcPct val="150000"/>
+                        </a:lnSpc>
+                        <a:buFont typeface="Arial" panose="020B0604020202020204" pitchFamily="34" charset="0"/>
+                        <a:buChar char="•"/>
+                      </a:pPr>
+                      <a:r>
+                        <a:rPr lang="en-US" sz="1000" kern="100" dirty="0">
+                          <a:effectLst/>
+                          <a:latin typeface="나눔스퀘어" panose="020B0600000101010101" pitchFamily="50" charset="-127"/>
+                          <a:ea typeface="나눔스퀘어" panose="020B0600000101010101" pitchFamily="50" charset="-127"/>
+                        </a:rPr>
+                        <a:t>Python</a:t>
+                      </a:r>
+                      <a:endParaRPr lang="ko-KR" sz="1000" kern="100" dirty="0">
+                        <a:effectLst/>
+                        <a:latin typeface="나눔스퀘어" panose="020B0600000101010101" pitchFamily="50" charset="-127"/>
+                        <a:ea typeface="나눔스퀘어" panose="020B0600000101010101" pitchFamily="50" charset="-127"/>
+                      </a:endParaRPr>
+                    </a:p>
+                    <a:p>
+                      <a:pPr marL="171450" indent="-171450" algn="just">
+                        <a:lnSpc>
+                          <a:spcPct val="150000"/>
+                        </a:lnSpc>
+                        <a:buFont typeface="Arial" panose="020B0604020202020204" pitchFamily="34" charset="0"/>
+                        <a:buChar char="•"/>
+                      </a:pPr>
+                      <a:r>
+                        <a:rPr lang="en-US" sz="1000" kern="100" dirty="0">
+                          <a:effectLst/>
+                          <a:latin typeface="나눔스퀘어" panose="020B0600000101010101" pitchFamily="50" charset="-127"/>
+                          <a:ea typeface="나눔스퀘어" panose="020B0600000101010101" pitchFamily="50" charset="-127"/>
+                        </a:rPr>
+                        <a:t>R</a:t>
+                      </a:r>
+                      <a:endParaRPr lang="ko-KR" sz="1000" kern="100" dirty="0">
+                        <a:effectLst/>
+                        <a:latin typeface="나눔스퀘어" panose="020B0600000101010101" pitchFamily="50" charset="-127"/>
+                        <a:ea typeface="나눔스퀘어" panose="020B0600000101010101" pitchFamily="50" charset="-127"/>
+                      </a:endParaRPr>
+                    </a:p>
+                    <a:p>
+                      <a:pPr marL="171450" indent="-171450" algn="just">
+                        <a:lnSpc>
+                          <a:spcPct val="150000"/>
+                        </a:lnSpc>
+                        <a:buFont typeface="Arial" panose="020B0604020202020204" pitchFamily="34" charset="0"/>
+                        <a:buChar char="•"/>
+                      </a:pPr>
+                      <a:r>
+                        <a:rPr lang="en-US" sz="1000" kern="100" dirty="0">
+                          <a:effectLst/>
+                          <a:latin typeface="나눔스퀘어" panose="020B0600000101010101" pitchFamily="50" charset="-127"/>
+                          <a:ea typeface="나눔스퀘어" panose="020B0600000101010101" pitchFamily="50" charset="-127"/>
+                        </a:rPr>
+                        <a:t>leaflet</a:t>
+                      </a:r>
+                      <a:endParaRPr lang="ko-KR" sz="1000" kern="100" dirty="0">
+                        <a:effectLst/>
+                        <a:latin typeface="나눔스퀘어" panose="020B0600000101010101" pitchFamily="50" charset="-127"/>
+                        <a:ea typeface="나눔스퀘어" panose="020B0600000101010101" pitchFamily="50" charset="-127"/>
+                        <a:cs typeface="굴림" panose="020B0600000101010101" pitchFamily="50" charset="-127"/>
+                      </a:endParaRPr>
+                    </a:p>
+                  </a:txBody>
+                  <a:tcPr marL="68580" marR="68580" marT="0" marB="0" anchor="ctr"/>
+                </a:tc>
+                <a:tc>
+                  <a:txBody>
+                    <a:bodyPr/>
+                    <a:lstStyle/>
+                    <a:p>
+                      <a:pPr marL="171450" indent="-171450" algn="just">
+                        <a:lnSpc>
+                          <a:spcPct val="150000"/>
+                        </a:lnSpc>
+                        <a:buFont typeface="Arial" panose="020B0604020202020204" pitchFamily="34" charset="0"/>
+                        <a:buChar char="•"/>
+                      </a:pPr>
+                      <a:r>
+                        <a:rPr lang="en-US" sz="1000" kern="100" dirty="0">
+                          <a:effectLst/>
+                          <a:latin typeface="나눔스퀘어" panose="020B0600000101010101" pitchFamily="50" charset="-127"/>
+                          <a:ea typeface="나눔스퀘어" panose="020B0600000101010101" pitchFamily="50" charset="-127"/>
+                        </a:rPr>
+                        <a:t>Python</a:t>
+                      </a:r>
+                      <a:endParaRPr lang="ko-KR" sz="1000" kern="100" dirty="0">
+                        <a:effectLst/>
+                        <a:latin typeface="나눔스퀘어" panose="020B0600000101010101" pitchFamily="50" charset="-127"/>
+                        <a:ea typeface="나눔스퀘어" panose="020B0600000101010101" pitchFamily="50" charset="-127"/>
+                      </a:endParaRPr>
+                    </a:p>
+                    <a:p>
+                      <a:pPr marL="171450" indent="-171450" algn="just">
+                        <a:lnSpc>
+                          <a:spcPct val="150000"/>
+                        </a:lnSpc>
+                        <a:buFont typeface="Arial" panose="020B0604020202020204" pitchFamily="34" charset="0"/>
+                        <a:buChar char="•"/>
+                      </a:pPr>
+                      <a:r>
+                        <a:rPr lang="en-US" sz="1000" kern="100" dirty="0" err="1">
+                          <a:effectLst/>
+                          <a:latin typeface="나눔스퀘어" panose="020B0600000101010101" pitchFamily="50" charset="-127"/>
+                          <a:ea typeface="나눔스퀘어" panose="020B0600000101010101" pitchFamily="50" charset="-127"/>
+                        </a:rPr>
+                        <a:t>Tensorflow</a:t>
+                      </a:r>
+                      <a:endParaRPr lang="ko-KR" sz="1000" kern="100" dirty="0">
+                        <a:effectLst/>
+                        <a:latin typeface="나눔스퀘어" panose="020B0600000101010101" pitchFamily="50" charset="-127"/>
+                        <a:ea typeface="나눔스퀘어" panose="020B0600000101010101" pitchFamily="50" charset="-127"/>
+                      </a:endParaRPr>
+                    </a:p>
+                    <a:p>
+                      <a:pPr marL="171450" indent="-171450" algn="just">
+                        <a:lnSpc>
+                          <a:spcPct val="150000"/>
+                        </a:lnSpc>
+                        <a:buFont typeface="Arial" panose="020B0604020202020204" pitchFamily="34" charset="0"/>
+                        <a:buChar char="•"/>
+                      </a:pPr>
+                      <a:r>
+                        <a:rPr lang="en-US" sz="1000" kern="100" dirty="0">
+                          <a:effectLst/>
+                          <a:latin typeface="나눔스퀘어" panose="020B0600000101010101" pitchFamily="50" charset="-127"/>
+                          <a:ea typeface="나눔스퀘어" panose="020B0600000101010101" pitchFamily="50" charset="-127"/>
+                        </a:rPr>
+                        <a:t>STT/ TTS </a:t>
+                      </a:r>
+                      <a:r>
+                        <a:rPr lang="en-US" sz="1000" kern="100" dirty="0" err="1">
+                          <a:effectLst/>
+                          <a:latin typeface="나눔스퀘어" panose="020B0600000101010101" pitchFamily="50" charset="-127"/>
+                          <a:ea typeface="나눔스퀘어" panose="020B0600000101010101" pitchFamily="50" charset="-127"/>
+                        </a:rPr>
+                        <a:t>api</a:t>
+                      </a:r>
+                      <a:endParaRPr lang="ko-KR" sz="1000" kern="100" dirty="0">
+                        <a:effectLst/>
+                        <a:latin typeface="나눔스퀘어" panose="020B0600000101010101" pitchFamily="50" charset="-127"/>
+                        <a:ea typeface="나눔스퀘어" panose="020B0600000101010101" pitchFamily="50" charset="-127"/>
+                      </a:endParaRPr>
+                    </a:p>
+                    <a:p>
+                      <a:pPr marL="171450" indent="-171450" algn="just">
+                        <a:lnSpc>
+                          <a:spcPct val="150000"/>
+                        </a:lnSpc>
+                        <a:buFont typeface="Arial" panose="020B0604020202020204" pitchFamily="34" charset="0"/>
+                        <a:buChar char="•"/>
+                      </a:pPr>
+                      <a:r>
+                        <a:rPr lang="ko-KR" sz="1000" kern="100" dirty="0">
+                          <a:effectLst/>
+                          <a:latin typeface="나눔스퀘어" panose="020B0600000101010101" pitchFamily="50" charset="-127"/>
+                          <a:ea typeface="나눔스퀘어" panose="020B0600000101010101" pitchFamily="50" charset="-127"/>
+                        </a:rPr>
+                        <a:t>등</a:t>
+                      </a:r>
+                      <a:endParaRPr lang="ko-KR" sz="1000" kern="100" dirty="0">
+                        <a:effectLst/>
+                        <a:latin typeface="나눔스퀘어" panose="020B0600000101010101" pitchFamily="50" charset="-127"/>
+                        <a:ea typeface="나눔스퀘어" panose="020B0600000101010101" pitchFamily="50" charset="-127"/>
+                        <a:cs typeface="굴림" panose="020B0600000101010101" pitchFamily="50" charset="-127"/>
+                      </a:endParaRPr>
+                    </a:p>
+                  </a:txBody>
+                  <a:tcPr marL="68580" marR="68580" marT="0" marB="0" anchor="ctr"/>
+                </a:tc>
+                <a:tc>
+                  <a:txBody>
+                    <a:bodyPr/>
+                    <a:lstStyle/>
+                    <a:p>
+                      <a:pPr marL="171450" indent="-171450" algn="just">
+                        <a:lnSpc>
+                          <a:spcPct val="150000"/>
+                        </a:lnSpc>
+                        <a:buFont typeface="Arial" panose="020B0604020202020204" pitchFamily="34" charset="0"/>
+                        <a:buChar char="•"/>
+                      </a:pPr>
+                      <a:r>
+                        <a:rPr lang="en-US" sz="1000" kern="100" dirty="0">
+                          <a:effectLst/>
+                          <a:latin typeface="나눔스퀘어" panose="020B0600000101010101" pitchFamily="50" charset="-127"/>
+                          <a:ea typeface="나눔스퀘어" panose="020B0600000101010101" pitchFamily="50" charset="-127"/>
+                        </a:rPr>
+                        <a:t>Arduino</a:t>
+                      </a:r>
+                      <a:endParaRPr lang="ko-KR" sz="1000" kern="100" dirty="0">
+                        <a:effectLst/>
+                        <a:latin typeface="나눔스퀘어" panose="020B0600000101010101" pitchFamily="50" charset="-127"/>
+                        <a:ea typeface="나눔스퀘어" panose="020B0600000101010101" pitchFamily="50" charset="-127"/>
+                      </a:endParaRPr>
+                    </a:p>
+                    <a:p>
+                      <a:pPr marL="171450" indent="-171450" algn="just">
+                        <a:lnSpc>
+                          <a:spcPct val="150000"/>
+                        </a:lnSpc>
+                        <a:buFont typeface="Arial" panose="020B0604020202020204" pitchFamily="34" charset="0"/>
+                        <a:buChar char="•"/>
+                      </a:pPr>
+                      <a:r>
+                        <a:rPr lang="en-US" sz="1000" kern="100" dirty="0">
+                          <a:effectLst/>
+                          <a:latin typeface="나눔스퀘어" panose="020B0600000101010101" pitchFamily="50" charset="-127"/>
+                          <a:ea typeface="나눔스퀘어" panose="020B0600000101010101" pitchFamily="50" charset="-127"/>
+                        </a:rPr>
+                        <a:t>Android Studio</a:t>
+                      </a:r>
+                      <a:endParaRPr lang="ko-KR" sz="1000" kern="100" dirty="0">
+                        <a:effectLst/>
+                        <a:latin typeface="나눔스퀘어" panose="020B0600000101010101" pitchFamily="50" charset="-127"/>
+                        <a:ea typeface="나눔스퀘어" panose="020B0600000101010101" pitchFamily="50" charset="-127"/>
+                        <a:cs typeface="굴림" panose="020B0600000101010101" pitchFamily="50" charset="-127"/>
+                      </a:endParaRPr>
+                    </a:p>
+                  </a:txBody>
+                  <a:tcPr marL="68580" marR="68580" marT="0" marB="0" anchor="ctr"/>
+                </a:tc>
+                <a:tc>
+                  <a:txBody>
+                    <a:bodyPr/>
+                    <a:lstStyle/>
+                    <a:p>
+                      <a:pPr marL="171450" indent="-171450" algn="just">
+                        <a:lnSpc>
+                          <a:spcPct val="150000"/>
+                        </a:lnSpc>
+                        <a:buFont typeface="Arial" panose="020B0604020202020204" pitchFamily="34" charset="0"/>
+                        <a:buChar char="•"/>
+                      </a:pPr>
+                      <a:r>
+                        <a:rPr lang="en-US" sz="1000" kern="100" dirty="0" err="1">
+                          <a:effectLst/>
+                          <a:latin typeface="나눔스퀘어" panose="020B0600000101010101" pitchFamily="50" charset="-127"/>
+                          <a:ea typeface="나눔스퀘어" panose="020B0600000101010101" pitchFamily="50" charset="-127"/>
+                        </a:rPr>
+                        <a:t>Reational</a:t>
+                      </a:r>
+                      <a:r>
+                        <a:rPr lang="en-US" sz="1000" kern="100" dirty="0">
+                          <a:effectLst/>
+                          <a:latin typeface="나눔스퀘어" panose="020B0600000101010101" pitchFamily="50" charset="-127"/>
+                          <a:ea typeface="나눔스퀘어" panose="020B0600000101010101" pitchFamily="50" charset="-127"/>
+                        </a:rPr>
+                        <a:t> </a:t>
+                      </a:r>
+                      <a:r>
+                        <a:rPr lang="en-US" sz="1000" kern="100" dirty="0" err="1">
+                          <a:effectLst/>
+                          <a:latin typeface="나눔스퀘어" panose="020B0600000101010101" pitchFamily="50" charset="-127"/>
+                          <a:ea typeface="나눔스퀘어" panose="020B0600000101010101" pitchFamily="50" charset="-127"/>
+                        </a:rPr>
+                        <a:t>DataBase</a:t>
+                      </a:r>
+                      <a:r>
+                        <a:rPr lang="en-US" sz="1000" kern="100" dirty="0">
+                          <a:effectLst/>
+                          <a:latin typeface="나눔스퀘어" panose="020B0600000101010101" pitchFamily="50" charset="-127"/>
+                          <a:ea typeface="나눔스퀘어" panose="020B0600000101010101" pitchFamily="50" charset="-127"/>
+                        </a:rPr>
+                        <a:t> Service</a:t>
+                      </a:r>
+                      <a:endParaRPr lang="ko-KR" sz="1000" kern="100" dirty="0">
+                        <a:effectLst/>
+                        <a:latin typeface="나눔스퀘어" panose="020B0600000101010101" pitchFamily="50" charset="-127"/>
+                        <a:ea typeface="나눔스퀘어" panose="020B0600000101010101" pitchFamily="50" charset="-127"/>
+                      </a:endParaRPr>
+                    </a:p>
+                    <a:p>
+                      <a:pPr marL="171450" indent="-171450" algn="just">
+                        <a:lnSpc>
+                          <a:spcPct val="150000"/>
+                        </a:lnSpc>
+                        <a:buFont typeface="Arial" panose="020B0604020202020204" pitchFamily="34" charset="0"/>
+                        <a:buChar char="•"/>
+                      </a:pPr>
+                      <a:r>
+                        <a:rPr lang="en-US" sz="1000" kern="100" dirty="0">
+                          <a:effectLst/>
+                          <a:latin typeface="나눔스퀘어" panose="020B0600000101010101" pitchFamily="50" charset="-127"/>
+                          <a:ea typeface="나눔스퀘어" panose="020B0600000101010101" pitchFamily="50" charset="-127"/>
+                        </a:rPr>
+                        <a:t>AWS Lambda</a:t>
+                      </a:r>
+                      <a:endParaRPr lang="ko-KR" sz="1000" kern="100" dirty="0">
+                        <a:effectLst/>
+                        <a:latin typeface="나눔스퀘어" panose="020B0600000101010101" pitchFamily="50" charset="-127"/>
+                        <a:ea typeface="나눔스퀘어" panose="020B0600000101010101" pitchFamily="50" charset="-127"/>
+                      </a:endParaRPr>
+                    </a:p>
+                    <a:p>
+                      <a:pPr marL="171450" indent="-171450" algn="just">
+                        <a:lnSpc>
+                          <a:spcPct val="150000"/>
+                        </a:lnSpc>
+                        <a:buFont typeface="Arial" panose="020B0604020202020204" pitchFamily="34" charset="0"/>
+                        <a:buChar char="•"/>
+                      </a:pPr>
+                      <a:r>
+                        <a:rPr lang="en-US" sz="1000" kern="100" dirty="0">
+                          <a:effectLst/>
+                          <a:latin typeface="나눔스퀘어" panose="020B0600000101010101" pitchFamily="50" charset="-127"/>
+                          <a:ea typeface="나눔스퀘어" panose="020B0600000101010101" pitchFamily="50" charset="-127"/>
+                        </a:rPr>
+                        <a:t>CloudWatch</a:t>
+                      </a:r>
+                      <a:r>
+                        <a:rPr lang="ko-KR" sz="1000" kern="100" dirty="0">
+                          <a:effectLst/>
+                          <a:latin typeface="나눔스퀘어" panose="020B0600000101010101" pitchFamily="50" charset="-127"/>
+                          <a:ea typeface="나눔스퀘어" panose="020B0600000101010101" pitchFamily="50" charset="-127"/>
+                        </a:rPr>
+                        <a:t>를 이용한</a:t>
+                      </a:r>
+                      <a:r>
+                        <a:rPr lang="en-US" sz="1000" kern="100" dirty="0">
+                          <a:effectLst/>
+                          <a:latin typeface="나눔스퀘어" panose="020B0600000101010101" pitchFamily="50" charset="-127"/>
+                          <a:ea typeface="나눔스퀘어" panose="020B0600000101010101" pitchFamily="50" charset="-127"/>
+                        </a:rPr>
+                        <a:t> CI/CD</a:t>
+                      </a:r>
+                      <a:endParaRPr lang="ko-KR" sz="1000" kern="100" dirty="0">
+                        <a:effectLst/>
+                        <a:latin typeface="나눔스퀘어" panose="020B0600000101010101" pitchFamily="50" charset="-127"/>
+                        <a:ea typeface="나눔스퀘어" panose="020B0600000101010101" pitchFamily="50" charset="-127"/>
+                      </a:endParaRPr>
+                    </a:p>
+                    <a:p>
+                      <a:pPr marL="171450" indent="-171450" algn="just">
+                        <a:lnSpc>
+                          <a:spcPct val="150000"/>
+                        </a:lnSpc>
+                        <a:buFont typeface="Arial" panose="020B0604020202020204" pitchFamily="34" charset="0"/>
+                        <a:buChar char="•"/>
+                      </a:pPr>
+                      <a:r>
+                        <a:rPr lang="ko-KR" sz="1000" kern="100" dirty="0">
+                          <a:effectLst/>
+                          <a:latin typeface="나눔스퀘어" panose="020B0600000101010101" pitchFamily="50" charset="-127"/>
+                          <a:ea typeface="나눔스퀘어" panose="020B0600000101010101" pitchFamily="50" charset="-127"/>
+                        </a:rPr>
+                        <a:t>모니터링 페이지를 위한</a:t>
+                      </a:r>
+                      <a:r>
+                        <a:rPr lang="en-US" sz="1000" kern="100" dirty="0">
+                          <a:effectLst/>
+                          <a:latin typeface="나눔스퀘어" panose="020B0600000101010101" pitchFamily="50" charset="-127"/>
+                          <a:ea typeface="나눔스퀘어" panose="020B0600000101010101" pitchFamily="50" charset="-127"/>
+                        </a:rPr>
+                        <a:t> React.js</a:t>
+                      </a:r>
+                      <a:endParaRPr lang="ko-KR" sz="1000" kern="100" dirty="0">
+                        <a:effectLst/>
+                        <a:latin typeface="나눔스퀘어" panose="020B0600000101010101" pitchFamily="50" charset="-127"/>
+                        <a:ea typeface="나눔스퀘어" panose="020B0600000101010101" pitchFamily="50" charset="-127"/>
+                        <a:cs typeface="굴림" panose="020B0600000101010101" pitchFamily="50" charset="-127"/>
+                      </a:endParaRPr>
+                    </a:p>
+                  </a:txBody>
+                  <a:tcPr marL="68580" marR="68580" marT="0" marB="0" anchor="ctr"/>
+                </a:tc>
+                <a:extLst>
+                  <a:ext uri="{0D108BD9-81ED-4DB2-BD59-A6C34878D82A}">
+                    <a16:rowId xmlns:a16="http://schemas.microsoft.com/office/drawing/2014/main" val="1931568717"/>
+                  </a:ext>
+                </a:extLst>
+              </a:tr>
+            </a:tbl>
+          </a:graphicData>
+        </a:graphic>
+      </p:graphicFrame>
       <p:sp>
         <p:nvSpPr>
-          <p:cNvPr id="4" name="직사각형 3">
-            <a:extLst>
-              <a:ext uri="{FF2B5EF4-FFF2-40B4-BE49-F238E27FC236}">
-                <a16:creationId xmlns:a16="http://schemas.microsoft.com/office/drawing/2014/main" id="{59512AAE-C4F8-4DFA-8E69-2B20CAF4B75B}"/>
-              </a:ext>
-            </a:extLst>
-          </p:cNvPr>
-          <p:cNvSpPr/>
-          <p:nvPr/>
+          <p:cNvPr id="4" name="제목 3">
+            <a:extLst>
+              <a:ext uri="{FF2B5EF4-FFF2-40B4-BE49-F238E27FC236}">
+                <a16:creationId xmlns:a16="http://schemas.microsoft.com/office/drawing/2014/main" id="{F146223D-5B76-47C5-9869-3A23D298AF80}"/>
+              </a:ext>
+            </a:extLst>
+          </p:cNvPr>
+          <p:cNvSpPr>
+            <a:spLocks noGrp="1"/>
+          </p:cNvSpPr>
+          <p:nvPr>
+            <p:ph type="title"/>
+          </p:nvPr>
         </p:nvSpPr>
-        <p:spPr>
-          <a:xfrm>
-            <a:off x="0" y="0"/>
-            <a:ext cx="6096000" cy="6858000"/>
-          </a:xfrm>
-          <a:prstGeom prst="rect">
-            <a:avLst/>
-          </a:prstGeom>
-          <a:solidFill>
-            <a:schemeClr val="accent1"/>
-          </a:solidFill>
-          <a:ln>
-            <a:noFill/>
-          </a:ln>
-        </p:spPr>
-        <p:style>
-          <a:lnRef idx="2">
-            <a:schemeClr val="accent1">
-              <a:shade val="50000"/>
-            </a:schemeClr>
-          </a:lnRef>
-          <a:fillRef idx="1">
-            <a:schemeClr val="accent1"/>
-          </a:fillRef>
-          <a:effectRef idx="0">
-            <a:schemeClr val="accent1"/>
-          </a:effectRef>
-          <a:fontRef idx="minor">
-            <a:schemeClr val="lt1"/>
-          </a:fontRef>
-        </p:style>
+        <p:spPr/>
         <p:txBody>
-          <a:bodyPr rtlCol="0" anchor="ctr"/>
+          <a:bodyPr/>
           <a:lstStyle/>
           <a:p>
-            <a:pPr algn="ctr"/>
-            <a:endParaRPr lang="ko-KR" altLang="en-US"/>
+            <a:r>
+              <a:rPr lang="ko-KR" altLang="en-US" dirty="0"/>
+              <a:t>수행방향</a:t>
+            </a:r>
           </a:p>
         </p:txBody>
       </p:sp>
-      <p:sp>
-        <p:nvSpPr>
-          <p:cNvPr id="6" name="TextBox 5">
-            <a:extLst>
-              <a:ext uri="{FF2B5EF4-FFF2-40B4-BE49-F238E27FC236}">
-                <a16:creationId xmlns:a16="http://schemas.microsoft.com/office/drawing/2014/main" id="{12279D14-F729-4E3D-8071-B448F0A50107}"/>
-              </a:ext>
-            </a:extLst>
-          </p:cNvPr>
-          <p:cNvSpPr txBox="1"/>
-          <p:nvPr/>
-        </p:nvSpPr>
-        <p:spPr>
-          <a:xfrm>
-            <a:off x="2001848" y="3075057"/>
-            <a:ext cx="2871810" cy="707886"/>
-          </a:xfrm>
-          <a:prstGeom prst="rect">
-            <a:avLst/>
-          </a:prstGeom>
-          <a:noFill/>
-        </p:spPr>
-        <p:txBody>
-          <a:bodyPr wrap="square">
-            <a:spAutoFit/>
-          </a:bodyPr>
-          <a:lstStyle/>
-          <a:p>
-            <a:pPr algn="ctr"/>
-            <a:r>
-              <a:rPr lang="ko-KR" altLang="en-US" sz="4000" dirty="0">
-                <a:solidFill>
-                  <a:schemeClr val="bg1"/>
-                </a:solidFill>
-                <a:latin typeface="배달의민족 한나체 Pro" panose="020B0600000101010101" pitchFamily="50" charset="-127"/>
-                <a:ea typeface="배달의민족 한나체 Pro" panose="020B0600000101010101" pitchFamily="50" charset="-127"/>
-              </a:rPr>
-              <a:t>감사합니다</a:t>
-            </a:r>
-            <a:r>
-              <a:rPr lang="en-US" altLang="ko-KR" sz="4000" dirty="0">
-                <a:solidFill>
-                  <a:schemeClr val="bg1"/>
-                </a:solidFill>
-                <a:latin typeface="배달의민족 한나체 Pro" panose="020B0600000101010101" pitchFamily="50" charset="-127"/>
-                <a:ea typeface="배달의민족 한나체 Pro" panose="020B0600000101010101" pitchFamily="50" charset="-127"/>
-              </a:rPr>
-              <a:t>.</a:t>
-            </a:r>
-            <a:endParaRPr lang="ko-KR" altLang="en-US" sz="4000" dirty="0">
-              <a:solidFill>
-                <a:schemeClr val="bg1"/>
-              </a:solidFill>
-              <a:latin typeface="배달의민족 한나체 Pro" panose="020B0600000101010101" pitchFamily="50" charset="-127"/>
-              <a:ea typeface="배달의민족 한나체 Pro" panose="020B0600000101010101" pitchFamily="50" charset="-127"/>
-            </a:endParaRPr>
-          </a:p>
-        </p:txBody>
-      </p:sp>
-      <p:sp>
-        <p:nvSpPr>
-          <p:cNvPr id="8" name="TextBox 7">
-            <a:extLst>
-              <a:ext uri="{FF2B5EF4-FFF2-40B4-BE49-F238E27FC236}">
-                <a16:creationId xmlns:a16="http://schemas.microsoft.com/office/drawing/2014/main" id="{C58464A9-A9E9-4121-B24B-118E4E596194}"/>
-              </a:ext>
-            </a:extLst>
-          </p:cNvPr>
-          <p:cNvSpPr txBox="1"/>
-          <p:nvPr/>
-        </p:nvSpPr>
-        <p:spPr>
-          <a:xfrm>
-            <a:off x="7793051" y="5837315"/>
-            <a:ext cx="2663701" cy="619721"/>
-          </a:xfrm>
-          <a:prstGeom prst="rect">
-            <a:avLst/>
-          </a:prstGeom>
-          <a:noFill/>
-        </p:spPr>
-        <p:txBody>
-          <a:bodyPr wrap="square" rtlCol="0">
-            <a:spAutoFit/>
-          </a:bodyPr>
-          <a:lstStyle/>
-          <a:p>
-            <a:pPr>
-              <a:lnSpc>
-                <a:spcPct val="150000"/>
-              </a:lnSpc>
-            </a:pPr>
-            <a:r>
-              <a:rPr lang="en-US" altLang="ko-KR" sz="1200" dirty="0">
-                <a:solidFill>
-                  <a:schemeClr val="bg2">
-                    <a:lumMod val="50000"/>
-                  </a:schemeClr>
-                </a:solidFill>
-                <a:latin typeface="나눔스퀘어" panose="020B0600000101010101" pitchFamily="50" charset="-127"/>
-                <a:ea typeface="나눔스퀘어" panose="020B0600000101010101" pitchFamily="50" charset="-127"/>
-              </a:rPr>
-              <a:t>Team </a:t>
-            </a:r>
-            <a:r>
-              <a:rPr lang="ko-KR" altLang="en-US" sz="1200" dirty="0" err="1">
-                <a:solidFill>
-                  <a:schemeClr val="bg2">
-                    <a:lumMod val="50000"/>
-                  </a:schemeClr>
-                </a:solidFill>
-                <a:latin typeface="나눔스퀘어" panose="020B0600000101010101" pitchFamily="50" charset="-127"/>
-                <a:ea typeface="나눔스퀘어" panose="020B0600000101010101" pitchFamily="50" charset="-127"/>
-              </a:rPr>
-              <a:t>헬라클레스</a:t>
-            </a:r>
-            <a:endParaRPr lang="en-US" altLang="ko-KR" sz="1200" dirty="0">
-              <a:solidFill>
-                <a:schemeClr val="bg2">
-                  <a:lumMod val="50000"/>
-                </a:schemeClr>
-              </a:solidFill>
-              <a:latin typeface="나눔스퀘어" panose="020B0600000101010101" pitchFamily="50" charset="-127"/>
-              <a:ea typeface="나눔스퀘어" panose="020B0600000101010101" pitchFamily="50" charset="-127"/>
-            </a:endParaRPr>
-          </a:p>
-          <a:p>
-            <a:pPr>
-              <a:lnSpc>
-                <a:spcPct val="150000"/>
-              </a:lnSpc>
-            </a:pPr>
-            <a:r>
-              <a:rPr lang="ko-KR" altLang="en-US" sz="1200" dirty="0">
-                <a:solidFill>
-                  <a:schemeClr val="bg2">
-                    <a:lumMod val="50000"/>
-                  </a:schemeClr>
-                </a:solidFill>
-                <a:latin typeface="나눔스퀘어" panose="020B0600000101010101" pitchFamily="50" charset="-127"/>
-                <a:ea typeface="나눔스퀘어" panose="020B0600000101010101" pitchFamily="50" charset="-127"/>
-              </a:rPr>
-              <a:t>박성준 이동규 이재환 이주호 </a:t>
-            </a:r>
-            <a:r>
-              <a:rPr lang="ko-KR" altLang="en-US" sz="1200" dirty="0" err="1">
-                <a:solidFill>
-                  <a:schemeClr val="bg2">
-                    <a:lumMod val="50000"/>
-                  </a:schemeClr>
-                </a:solidFill>
-                <a:latin typeface="나눔스퀘어" panose="020B0600000101010101" pitchFamily="50" charset="-127"/>
-                <a:ea typeface="나눔스퀘어" panose="020B0600000101010101" pitchFamily="50" charset="-127"/>
-              </a:rPr>
-              <a:t>홍연하</a:t>
-            </a:r>
-            <a:endParaRPr lang="ko-KR" altLang="en-US" sz="1200" dirty="0">
-              <a:solidFill>
-                <a:schemeClr val="bg2">
-                  <a:lumMod val="50000"/>
-                </a:schemeClr>
-              </a:solidFill>
-              <a:latin typeface="나눔스퀘어" panose="020B0600000101010101" pitchFamily="50" charset="-127"/>
-              <a:ea typeface="나눔스퀘어" panose="020B0600000101010101" pitchFamily="50" charset="-127"/>
-            </a:endParaRPr>
-          </a:p>
-        </p:txBody>
-      </p:sp>
-      <p:pic>
-        <p:nvPicPr>
-          <p:cNvPr id="5" name="그림 4">
-            <a:extLst>
-              <a:ext uri="{FF2B5EF4-FFF2-40B4-BE49-F238E27FC236}">
-                <a16:creationId xmlns:a16="http://schemas.microsoft.com/office/drawing/2014/main" id="{C6B84E52-DEC4-44A1-AB59-F45F1B50F363}"/>
-              </a:ext>
-            </a:extLst>
-          </p:cNvPr>
-          <p:cNvPicPr>
-            <a:picLocks noChangeAspect="1"/>
-          </p:cNvPicPr>
-          <p:nvPr/>
-        </p:nvPicPr>
-        <p:blipFill rotWithShape="1">
-          <a:blip r:embed="rId2">
-            <a:duotone>
-              <a:schemeClr val="accent5">
-                <a:shade val="45000"/>
-                <a:satMod val="135000"/>
-              </a:schemeClr>
-              <a:prstClr val="white"/>
-            </a:duotone>
-            <a:extLst>
-              <a:ext uri="{28A0092B-C50C-407E-A947-70E740481C1C}">
-                <a14:useLocalDpi xmlns:a14="http://schemas.microsoft.com/office/drawing/2010/main" val="0"/>
-              </a:ext>
-            </a:extLst>
-          </a:blip>
-          <a:srcRect t="8036" r="4064" b="25990"/>
-          <a:stretch/>
-        </p:blipFill>
-        <p:spPr>
-          <a:xfrm>
-            <a:off x="7717637" y="2728326"/>
-            <a:ext cx="2256008" cy="1551443"/>
-          </a:xfrm>
-          <a:prstGeom prst="rect">
-            <a:avLst/>
-          </a:prstGeom>
-          <a:effectLst/>
-        </p:spPr>
-      </p:pic>
     </p:spTree>
     <p:extLst>
       <p:ext uri="{BB962C8B-B14F-4D97-AF65-F5344CB8AC3E}">
-        <p14:creationId xmlns:p14="http://schemas.microsoft.com/office/powerpoint/2010/main" val="836019790"/>
+        <p14:creationId xmlns:p14="http://schemas.microsoft.com/office/powerpoint/2010/main" val="1166859471"/>
       </p:ext>
     </p:extLst>
   </p:cSld>
